--- a/ppt/论文分享_Partial sequence matching using an Unbounded Dynamic Time Warping algorithm.pptx
+++ b/ppt/论文分享_Partial sequence matching using an Unbounded Dynamic Time Warping algorithm.pptx
@@ -19,19 +19,18 @@
     <p:sldId id="524" r:id="rId12"/>
     <p:sldId id="525" r:id="rId13"/>
     <p:sldId id="526" r:id="rId14"/>
-    <p:sldId id="532" r:id="rId15"/>
-    <p:sldId id="531" r:id="rId16"/>
-    <p:sldId id="529" r:id="rId17"/>
-    <p:sldId id="533" r:id="rId18"/>
-    <p:sldId id="530" r:id="rId19"/>
-    <p:sldId id="534" r:id="rId20"/>
-    <p:sldId id="535" r:id="rId21"/>
-    <p:sldId id="537" r:id="rId22"/>
-    <p:sldId id="538" r:id="rId23"/>
-    <p:sldId id="539" r:id="rId24"/>
-    <p:sldId id="540" r:id="rId25"/>
-    <p:sldId id="422" r:id="rId26"/>
-    <p:sldId id="258" r:id="rId27"/>
+    <p:sldId id="531" r:id="rId15"/>
+    <p:sldId id="529" r:id="rId16"/>
+    <p:sldId id="533" r:id="rId17"/>
+    <p:sldId id="530" r:id="rId18"/>
+    <p:sldId id="534" r:id="rId19"/>
+    <p:sldId id="535" r:id="rId20"/>
+    <p:sldId id="537" r:id="rId21"/>
+    <p:sldId id="538" r:id="rId22"/>
+    <p:sldId id="539" r:id="rId23"/>
+    <p:sldId id="540" r:id="rId24"/>
+    <p:sldId id="422" r:id="rId25"/>
+    <p:sldId id="258" r:id="rId26"/>
   </p:sldIdLst>
   <p:sldSz cx="12192000" cy="6858000"/>
   <p:notesSz cx="6858000" cy="9144000"/>
@@ -4110,18 +4109,7 @@
                 <a:ea typeface="微软雅黑" panose="020B0503020204020204" pitchFamily="34" charset="-122"/>
                 <a:sym typeface="+mn-ea"/>
               </a:rPr>
-              <a:t>3.</a:t>
-            </a:r>
-            <a:r>
-              <a:rPr lang="en-US" altLang="zh-CN" i="1" dirty="0" smtClean="0">
-                <a:solidFill>
-                  <a:srgbClr val="F2F2F2"/>
-                </a:solidFill>
-                <a:latin typeface="Times New Roman" panose="02020603050405020304" pitchFamily="18" charset="0"/>
-                <a:ea typeface="微软雅黑" panose="020B0503020204020204" pitchFamily="34" charset="-122"/>
-                <a:sym typeface="+mn-ea"/>
-              </a:rPr>
-              <a:t>Unbounded DTW</a:t>
+              <a:t>3.Unbounded DTW</a:t>
             </a:r>
             <a:endParaRPr lang="en-US" altLang="zh-CN" i="1" dirty="0" smtClean="0">
               <a:solidFill>
@@ -4239,13 +4227,18 @@
               <a:rPr lang="zh-CN" altLang="zh-CN" sz="2400" b="1">
                 <a:sym typeface="+mn-ea"/>
               </a:rPr>
-              <a:t>的解决问题的</a:t>
-            </a:r>
+              <a:t>的解决问题的核心思想</a:t>
+            </a:r>
+            <a:endParaRPr lang="zh-CN" altLang="zh-CN" sz="2400" b="1">
+              <a:sym typeface="+mn-ea"/>
+            </a:endParaRPr>
+          </a:p>
+          <a:p>
             <a:r>
               <a:rPr lang="zh-CN" altLang="zh-CN" sz="2400" b="1">
                 <a:sym typeface="+mn-ea"/>
               </a:rPr>
-              <a:t>核心思想</a:t>
+              <a:t>（和原文不完全相同，</a:t>
             </a:r>
             <a:endParaRPr lang="zh-CN" altLang="zh-CN" sz="2400" b="1">
               <a:sym typeface="+mn-ea"/>
@@ -4256,36 +4249,13 @@
               <a:rPr lang="zh-CN" altLang="zh-CN" sz="2400" b="1">
                 <a:sym typeface="+mn-ea"/>
               </a:rPr>
-              <a:t>（和原文不完全相同，</a:t>
+              <a:t>为了方便讲解，有改动）</a:t>
             </a:r>
             <a:endParaRPr lang="zh-CN" altLang="zh-CN" sz="2400" b="1">
               <a:sym typeface="+mn-ea"/>
             </a:endParaRPr>
           </a:p>
           <a:p>
-            <a:r>
-              <a:rPr lang="zh-CN" altLang="zh-CN" sz="2400" b="1">
-                <a:sym typeface="+mn-ea"/>
-              </a:rPr>
-              <a:t>为了方便讲解</a:t>
-            </a:r>
-            <a:r>
-              <a:rPr lang="zh-CN" altLang="zh-CN" sz="2400" b="1">
-                <a:sym typeface="+mn-ea"/>
-              </a:rPr>
-              <a:t>，有改动</a:t>
-            </a:r>
-            <a:r>
-              <a:rPr lang="zh-CN" altLang="zh-CN" sz="2400" b="1">
-                <a:sym typeface="+mn-ea"/>
-              </a:rPr>
-              <a:t>）</a:t>
-            </a:r>
-            <a:endParaRPr lang="zh-CN" altLang="zh-CN" sz="2400" b="1">
-              <a:sym typeface="+mn-ea"/>
-            </a:endParaRPr>
-          </a:p>
-          <a:p>
             <a:endParaRPr lang="zh-CN" altLang="en-US" sz="2400" b="1">
               <a:sym typeface="+mn-ea"/>
             </a:endParaRPr>
@@ -4295,13 +4265,7 @@
               <a:rPr lang="zh-CN" altLang="en-US" sz="2400" b="1">
                 <a:sym typeface="+mn-ea"/>
               </a:rPr>
-              <a:t>问题和</a:t>
-            </a:r>
-            <a:r>
-              <a:rPr lang="zh-CN" altLang="en-US" sz="2400" b="1">
-                <a:sym typeface="+mn-ea"/>
-              </a:rPr>
-              <a:t>目标：</a:t>
+              <a:t>问题和目标：</a:t>
             </a:r>
             <a:endParaRPr lang="zh-CN" altLang="en-US" sz="2400" b="1">
               <a:sym typeface="+mn-ea"/>
@@ -4704,13 +4668,7 @@
               <a:rPr lang="zh-CN" altLang="en-US" sz="2400" b="1">
                 <a:sym typeface="+mn-ea"/>
               </a:rPr>
-              <a:t>那么它</a:t>
-            </a:r>
-            <a:r>
-              <a:rPr lang="zh-CN" altLang="en-US" sz="2400" b="1">
-                <a:sym typeface="+mn-ea"/>
-              </a:rPr>
-              <a:t>将被找到。</a:t>
+              <a:t>那么它将被找到。</a:t>
             </a:r>
             <a:endParaRPr lang="zh-CN" altLang="en-US" sz="2400" b="1">
               <a:sym typeface="+mn-ea"/>
@@ -5059,26 +5017,105 @@
           </a:p>
           <a:p>
             <a:r>
+              <a:rPr lang="en-US" altLang="zh-CN" sz="2400" b="1">
+                <a:sym typeface="+mn-ea"/>
+              </a:rPr>
+              <a:t>for i </a:t>
+            </a:r>
+            <a:r>
               <a:rPr lang="zh-CN" altLang="en-US" sz="2400" b="1">
                 <a:sym typeface="+mn-ea"/>
               </a:rPr>
-              <a:t>扩张完之后，每个起点只保留最长的路径</a:t>
-            </a:r>
-            <a:endParaRPr lang="zh-CN" altLang="en-US" sz="2400" b="1">
-              <a:sym typeface="+mn-ea"/>
-            </a:endParaRPr>
-          </a:p>
-          <a:p>
+              <a:t>从</a:t>
+            </a:r>
+            <a:r>
+              <a:rPr lang="en-US" altLang="zh-CN" sz="2400" b="1">
+                <a:sym typeface="+mn-ea"/>
+              </a:rPr>
+              <a:t>1 </a:t>
+            </a:r>
+            <a:r>
+              <a:rPr lang="zh-CN" altLang="en-US" sz="2400" b="1">
+                <a:sym typeface="+mn-ea"/>
+              </a:rPr>
+              <a:t>到 </a:t>
+            </a:r>
+            <a:r>
+              <a:rPr lang="en-US" altLang="zh-CN" sz="2400" b="1">
+                <a:sym typeface="+mn-ea"/>
+              </a:rPr>
+              <a:t>n {</a:t>
+            </a:r>
             <a:endParaRPr lang="en-US" altLang="zh-CN" sz="2400" b="1">
               <a:sym typeface="+mn-ea"/>
             </a:endParaRPr>
           </a:p>
           <a:p>
+            <a:r>
+              <a:rPr lang="en-US" altLang="zh-CN" sz="2400" b="1">
+                <a:sym typeface="+mn-ea"/>
+              </a:rPr>
+              <a:t>    for j </a:t>
+            </a:r>
+            <a:r>
+              <a:rPr lang="zh-CN" altLang="zh-CN" sz="2400" b="1">
+                <a:sym typeface="+mn-ea"/>
+              </a:rPr>
+              <a:t>从</a:t>
+            </a:r>
+            <a:r>
+              <a:rPr lang="en-US" altLang="zh-CN" sz="2400" b="1">
+                <a:sym typeface="+mn-ea"/>
+              </a:rPr>
+              <a:t>1</a:t>
+            </a:r>
+            <a:r>
+              <a:rPr lang="zh-CN" altLang="en-US" sz="2400" b="1">
+                <a:sym typeface="+mn-ea"/>
+              </a:rPr>
+              <a:t>到</a:t>
+            </a:r>
+            <a:r>
+              <a:rPr lang="en-US" altLang="zh-CN" sz="2400" b="1">
+                <a:sym typeface="+mn-ea"/>
+              </a:rPr>
+              <a:t>m {</a:t>
+            </a:r>
             <a:endParaRPr lang="en-US" altLang="zh-CN" sz="2400" b="1">
               <a:sym typeface="+mn-ea"/>
             </a:endParaRPr>
           </a:p>
           <a:p>
+            <a:r>
+              <a:rPr lang="en-US" altLang="zh-CN" sz="2400" b="1">
+                <a:sym typeface="+mn-ea"/>
+              </a:rPr>
+              <a:t>        </a:t>
+            </a:r>
+            <a:r>
+              <a:rPr lang="zh-CN" altLang="zh-CN" sz="2400" b="1">
+                <a:sym typeface="+mn-ea"/>
+              </a:rPr>
+              <a:t>如果点</a:t>
+            </a:r>
+            <a:r>
+              <a:rPr lang="en-US" altLang="zh-CN" sz="2400" b="1">
+                <a:sym typeface="+mn-ea"/>
+              </a:rPr>
+              <a:t>(i,j)</a:t>
+            </a:r>
+            <a:r>
+              <a:rPr lang="zh-CN" altLang="zh-CN" sz="2400" b="1">
+                <a:sym typeface="+mn-ea"/>
+              </a:rPr>
+              <a:t>是关键点或激活点</a:t>
+            </a:r>
+            <a:r>
+              <a:rPr lang="en-US" altLang="zh-CN" sz="2400" b="1">
+                <a:sym typeface="+mn-ea"/>
+              </a:rPr>
+              <a:t>{</a:t>
+            </a:r>
             <a:endParaRPr lang="en-US" altLang="zh-CN" sz="2400" b="1">
               <a:sym typeface="+mn-ea"/>
             </a:endParaRPr>
@@ -5090,6 +5127,35 @@
               </a:rPr>
               <a:t>	</a:t>
             </a:r>
+            <a:r>
+              <a:rPr lang="zh-CN" altLang="zh-CN" sz="2400" b="1">
+                <a:sym typeface="+mn-ea"/>
+              </a:rPr>
+              <a:t>点</a:t>
+            </a:r>
+            <a:r>
+              <a:rPr lang="en-US" altLang="zh-CN" sz="2400" b="1">
+                <a:sym typeface="+mn-ea"/>
+              </a:rPr>
+              <a:t>(i,j)</a:t>
+            </a:r>
+            <a:r>
+              <a:rPr lang="zh-CN" altLang="zh-CN" sz="2400" b="1">
+                <a:sym typeface="+mn-ea"/>
+              </a:rPr>
+              <a:t>可以向前扩张，并激活扩张点</a:t>
+            </a:r>
+            <a:endParaRPr lang="zh-CN" altLang="zh-CN" sz="2400" b="1">
+              <a:sym typeface="+mn-ea"/>
+            </a:endParaRPr>
+          </a:p>
+          <a:p>
+            <a:r>
+              <a:rPr lang="en-US" altLang="zh-CN" sz="2400" b="1">
+                <a:sym typeface="+mn-ea"/>
+              </a:rPr>
+              <a:t>}}}		</a:t>
+            </a:r>
             <a:endParaRPr lang="en-US" altLang="zh-CN" sz="2400" b="1">
               <a:sym typeface="+mn-ea"/>
             </a:endParaRPr>
@@ -5117,7 +5183,7 @@
               <a:rPr lang="zh-CN" altLang="en-US" sz="2400" b="1">
                 <a:sym typeface="+mn-ea"/>
               </a:rPr>
-              <a:t>是否</a:t>
+              <a:t>是否向前</a:t>
             </a:r>
             <a:r>
               <a:rPr lang="zh-CN" altLang="zh-CN" sz="2400" b="1">
@@ -5181,7 +5247,7 @@
       </p:sp>
       <p:pic>
         <p:nvPicPr>
-          <p:cNvPr id="5" name="图片 4"/>
+          <p:cNvPr id="2" name="图片 1"/>
           <p:cNvPicPr>
             <a:picLocks noChangeAspect="1"/>
           </p:cNvPicPr>
@@ -5195,8 +5261,8 @@
         </p:blipFill>
         <p:spPr>
           <a:xfrm>
-            <a:off x="6443980" y="1732280"/>
-            <a:ext cx="5339080" cy="3469640"/>
+            <a:off x="6305550" y="1838960"/>
+            <a:ext cx="5556885" cy="3561080"/>
           </a:xfrm>
           <a:prstGeom prst="rect">
             <a:avLst/>
@@ -5462,173 +5528,65 @@
           </a:p>
           <a:p>
             <a:r>
+              <a:rPr lang="zh-CN" altLang="en-US" sz="2400" b="1">
+                <a:sym typeface="+mn-ea"/>
+              </a:rPr>
+              <a:t>扩张完之后，每个起点只保留最长的路径</a:t>
+            </a:r>
+            <a:endParaRPr lang="zh-CN" altLang="en-US" sz="2400" b="1">
+              <a:sym typeface="+mn-ea"/>
+            </a:endParaRPr>
+          </a:p>
+          <a:p>
+            <a:endParaRPr lang="en-US" altLang="zh-CN" sz="2400" b="1">
+              <a:sym typeface="+mn-ea"/>
+            </a:endParaRPr>
+          </a:p>
+          <a:p>
+            <a:endParaRPr lang="en-US" altLang="zh-CN" sz="2400" b="1">
+              <a:sym typeface="+mn-ea"/>
+            </a:endParaRPr>
+          </a:p>
+          <a:p>
+            <a:endParaRPr lang="en-US" altLang="zh-CN" sz="2400" b="1">
+              <a:sym typeface="+mn-ea"/>
+            </a:endParaRPr>
+          </a:p>
+          <a:p>
+            <a:r>
               <a:rPr lang="en-US" altLang="zh-CN" sz="2400" b="1">
                 <a:sym typeface="+mn-ea"/>
               </a:rPr>
-              <a:t>for i </a:t>
+              <a:t>	</a:t>
+            </a:r>
+            <a:endParaRPr lang="en-US" altLang="zh-CN" sz="2400" b="1">
+              <a:sym typeface="+mn-ea"/>
+            </a:endParaRPr>
+          </a:p>
+          <a:p>
+            <a:r>
+              <a:rPr lang="en-US" altLang="zh-CN" sz="2400" b="1">
+                <a:sym typeface="+mn-ea"/>
+              </a:rPr>
+              <a:t>//</a:t>
             </a:r>
             <a:r>
               <a:rPr lang="zh-CN" altLang="en-US" sz="2400" b="1">
                 <a:sym typeface="+mn-ea"/>
               </a:rPr>
-              <a:t>从</a:t>
-            </a:r>
-            <a:r>
-              <a:rPr lang="en-US" altLang="zh-CN" sz="2400" b="1">
-                <a:sym typeface="+mn-ea"/>
-              </a:rPr>
-              <a:t>1 </a:t>
+              <a:t>点</a:t>
+            </a:r>
+            <a:r>
+              <a:rPr lang="en-US" altLang="en-US" sz="2400" b="1">
+                <a:sym typeface="+mn-ea"/>
+              </a:rPr>
+              <a:t>(i,j)</a:t>
             </a:r>
             <a:r>
               <a:rPr lang="zh-CN" altLang="en-US" sz="2400" b="1">
                 <a:sym typeface="+mn-ea"/>
               </a:rPr>
-              <a:t>到 </a:t>
-            </a:r>
-            <a:r>
-              <a:rPr lang="en-US" altLang="zh-CN" sz="2400" b="1">
-                <a:sym typeface="+mn-ea"/>
-              </a:rPr>
-              <a:t>n {</a:t>
-            </a:r>
-            <a:endParaRPr lang="en-US" altLang="zh-CN" sz="2400" b="1">
-              <a:sym typeface="+mn-ea"/>
-            </a:endParaRPr>
-          </a:p>
-          <a:p>
-            <a:r>
-              <a:rPr lang="en-US" altLang="zh-CN" sz="2400" b="1">
-                <a:sym typeface="+mn-ea"/>
-              </a:rPr>
-              <a:t>    for j </a:t>
-            </a:r>
-            <a:r>
-              <a:rPr lang="zh-CN" altLang="zh-CN" sz="2400" b="1">
-                <a:sym typeface="+mn-ea"/>
-              </a:rPr>
-              <a:t>从</a:t>
-            </a:r>
-            <a:r>
-              <a:rPr lang="en-US" altLang="zh-CN" sz="2400" b="1">
-                <a:sym typeface="+mn-ea"/>
-              </a:rPr>
-              <a:t>1</a:t>
-            </a:r>
-            <a:r>
-              <a:rPr lang="zh-CN" altLang="en-US" sz="2400" b="1">
-                <a:sym typeface="+mn-ea"/>
-              </a:rPr>
-              <a:t>到</a:t>
-            </a:r>
-            <a:r>
-              <a:rPr lang="en-US" altLang="zh-CN" sz="2400" b="1">
-                <a:sym typeface="+mn-ea"/>
-              </a:rPr>
-              <a:t>m {</a:t>
-            </a:r>
-            <a:endParaRPr lang="en-US" altLang="zh-CN" sz="2400" b="1">
-              <a:sym typeface="+mn-ea"/>
-            </a:endParaRPr>
-          </a:p>
-          <a:p>
-            <a:r>
-              <a:rPr lang="en-US" altLang="zh-CN" sz="2400" b="1">
-                <a:sym typeface="+mn-ea"/>
-              </a:rPr>
-              <a:t>        </a:t>
-            </a:r>
-            <a:r>
-              <a:rPr lang="zh-CN" altLang="zh-CN" sz="2400" b="1">
-                <a:sym typeface="+mn-ea"/>
-              </a:rPr>
-              <a:t>如果点</a:t>
-            </a:r>
-            <a:r>
-              <a:rPr lang="en-US" altLang="zh-CN" sz="2400" b="1">
-                <a:sym typeface="+mn-ea"/>
-              </a:rPr>
-              <a:t>(i,j)</a:t>
-            </a:r>
-            <a:r>
-              <a:rPr lang="zh-CN" altLang="zh-CN" sz="2400" b="1">
-                <a:sym typeface="+mn-ea"/>
-              </a:rPr>
-              <a:t>是关键点或激活点</a:t>
-            </a:r>
-            <a:r>
-              <a:rPr lang="en-US" altLang="zh-CN" sz="2400" b="1">
-                <a:sym typeface="+mn-ea"/>
-              </a:rPr>
-              <a:t>{</a:t>
-            </a:r>
-            <a:endParaRPr lang="en-US" altLang="zh-CN" sz="2400" b="1">
-              <a:sym typeface="+mn-ea"/>
-            </a:endParaRPr>
-          </a:p>
-          <a:p>
-            <a:r>
-              <a:rPr lang="en-US" altLang="zh-CN" sz="2400" b="1">
-                <a:sym typeface="+mn-ea"/>
-              </a:rPr>
-              <a:t>	</a:t>
-            </a:r>
-            <a:r>
-              <a:rPr lang="zh-CN" altLang="zh-CN" sz="2400" b="1">
-                <a:sym typeface="+mn-ea"/>
-              </a:rPr>
-              <a:t>点</a:t>
-            </a:r>
-            <a:r>
-              <a:rPr lang="en-US" altLang="zh-CN" sz="2400" b="1">
-                <a:sym typeface="+mn-ea"/>
-              </a:rPr>
-              <a:t>(i,j)</a:t>
-            </a:r>
-            <a:r>
-              <a:rPr lang="zh-CN" altLang="zh-CN" sz="2400" b="1">
-                <a:sym typeface="+mn-ea"/>
-              </a:rPr>
-              <a:t>可以向前扩张，并激活扩张点</a:t>
-            </a:r>
-            <a:endParaRPr lang="zh-CN" altLang="zh-CN" sz="2400" b="1">
-              <a:sym typeface="+mn-ea"/>
-            </a:endParaRPr>
-          </a:p>
-          <a:p>
-            <a:r>
-              <a:rPr lang="en-US" altLang="zh-CN" sz="2400" b="1">
-                <a:sym typeface="+mn-ea"/>
-              </a:rPr>
-              <a:t>}}}		</a:t>
-            </a:r>
-            <a:endParaRPr lang="en-US" altLang="zh-CN" sz="2400" b="1">
-              <a:sym typeface="+mn-ea"/>
-            </a:endParaRPr>
-          </a:p>
-          <a:p>
-            <a:r>
-              <a:rPr lang="en-US" altLang="zh-CN" sz="2400" b="1">
-                <a:sym typeface="+mn-ea"/>
-              </a:rPr>
-              <a:t>//</a:t>
-            </a:r>
-            <a:r>
-              <a:rPr lang="zh-CN" altLang="en-US" sz="2400" b="1">
-                <a:sym typeface="+mn-ea"/>
-              </a:rPr>
-              <a:t>点</a:t>
-            </a:r>
-            <a:r>
-              <a:rPr lang="en-US" altLang="en-US" sz="2400" b="1">
-                <a:sym typeface="+mn-ea"/>
-              </a:rPr>
-              <a:t>(i,j)</a:t>
-            </a:r>
-            <a:r>
-              <a:rPr lang="zh-CN" altLang="en-US" sz="2400" b="1">
-                <a:sym typeface="+mn-ea"/>
-              </a:rPr>
-              <a:t>是否向前</a:t>
+              <a:t>是否</a:t>
             </a:r>
             <a:r>
               <a:rPr lang="zh-CN" altLang="zh-CN" sz="2400" b="1">
@@ -5692,7 +5650,7 @@
       </p:sp>
       <p:pic>
         <p:nvPicPr>
-          <p:cNvPr id="2" name="图片 1"/>
+          <p:cNvPr id="7" name="图片 6"/>
           <p:cNvPicPr>
             <a:picLocks noChangeAspect="1"/>
           </p:cNvPicPr>
@@ -5706,8 +5664,8 @@
         </p:blipFill>
         <p:spPr>
           <a:xfrm>
-            <a:off x="6305550" y="1838960"/>
-            <a:ext cx="5556885" cy="3561080"/>
+            <a:off x="5955030" y="1578610"/>
+            <a:ext cx="6057265" cy="3818890"/>
           </a:xfrm>
           <a:prstGeom prst="rect">
             <a:avLst/>
@@ -6049,13 +6007,7 @@
               <a:rPr lang="zh-CN" altLang="zh-CN" sz="2400" b="1">
                 <a:sym typeface="+mn-ea"/>
               </a:rPr>
-              <a:t>可以取决于</a:t>
-            </a:r>
-            <a:r>
-              <a:rPr lang="zh-CN" altLang="zh-CN" sz="2400" b="1">
-                <a:sym typeface="+mn-ea"/>
-              </a:rPr>
-              <a:t>该路径的（惩罚加和</a:t>
+              <a:t>可以取决于该路径的（惩罚加和</a:t>
             </a:r>
             <a:r>
               <a:rPr lang="en-US" altLang="zh-CN" sz="2400" b="1">
@@ -6101,7 +6053,7 @@
       </p:sp>
       <p:pic>
         <p:nvPicPr>
-          <p:cNvPr id="7" name="图片 6"/>
+          <p:cNvPr id="2" name="图片 1"/>
           <p:cNvPicPr>
             <a:picLocks noChangeAspect="1"/>
           </p:cNvPicPr>
@@ -6115,8 +6067,8 @@
         </p:blipFill>
         <p:spPr>
           <a:xfrm>
-            <a:off x="5955030" y="1578610"/>
-            <a:ext cx="6057265" cy="3818890"/>
+            <a:off x="6169025" y="1732280"/>
+            <a:ext cx="5706110" cy="3728720"/>
           </a:xfrm>
           <a:prstGeom prst="rect">
             <a:avLst/>
@@ -6314,8 +6266,8 @@
         </p:nvSpPr>
         <p:spPr>
           <a:xfrm>
-            <a:off x="154305" y="1732280"/>
-            <a:ext cx="11299190" cy="4907915"/>
+            <a:off x="154305" y="1678305"/>
+            <a:ext cx="11299190" cy="6015990"/>
           </a:xfrm>
           <a:prstGeom prst="rect">
             <a:avLst/>
@@ -6358,20 +6310,32 @@
               <a:rPr lang="zh-CN" altLang="en-US" sz="2400" b="1">
                 <a:sym typeface="+mn-ea"/>
               </a:rPr>
-              <a:t>② 向前扩张</a:t>
-            </a:r>
-            <a:endParaRPr lang="zh-CN" altLang="en-US" sz="2400" b="1">
-              <a:sym typeface="+mn-ea"/>
-            </a:endParaRPr>
-          </a:p>
-          <a:p>
+              <a:t>③向后扩张</a:t>
+            </a:r>
+            <a:endParaRPr lang="zh-CN" altLang="en-US" sz="2400" b="1">
+              <a:sym typeface="+mn-ea"/>
+            </a:endParaRPr>
+          </a:p>
+          <a:p>
+            <a:r>
+              <a:rPr lang="en-US" altLang="zh-CN" sz="2400" b="1">
+                <a:sym typeface="+mn-ea"/>
+              </a:rPr>
+              <a:t>B</a:t>
+            </a:r>
             <a:r>
               <a:rPr lang="zh-CN" altLang="en-US" sz="2400" b="1">
                 <a:sym typeface="+mn-ea"/>
               </a:rPr>
-              <a:t>Forward Paths</a:t>
-            </a:r>
-            <a:endParaRPr lang="zh-CN" altLang="en-US" sz="2400" b="1">
+              <a:t>ackward path</a:t>
+            </a:r>
+            <a:r>
+              <a:rPr lang="en-US" altLang="zh-CN" sz="2400" b="1">
+                <a:sym typeface="+mn-ea"/>
+              </a:rPr>
+              <a:t>S</a:t>
+            </a:r>
+            <a:endParaRPr lang="en-US" altLang="zh-CN" sz="2400" b="1">
               <a:sym typeface="+mn-ea"/>
             </a:endParaRPr>
           </a:p>
@@ -6385,8 +6349,24 @@
               <a:rPr lang="zh-CN" altLang="en-US" sz="2400" b="1">
                 <a:sym typeface="+mn-ea"/>
               </a:rPr>
-              <a:t>扩张完之后，每个起点只保留最长的路径</a:t>
-            </a:r>
+              <a:t>和向前扩张一样的算法，</a:t>
+            </a:r>
+            <a:endParaRPr lang="zh-CN" altLang="en-US" sz="2400" b="1">
+              <a:sym typeface="+mn-ea"/>
+            </a:endParaRPr>
+          </a:p>
+          <a:p>
+            <a:r>
+              <a:rPr lang="zh-CN" altLang="en-US" sz="2400" b="1">
+                <a:sym typeface="+mn-ea"/>
+              </a:rPr>
+              <a:t>只是方向变成向后。</a:t>
+            </a:r>
+            <a:endParaRPr lang="zh-CN" altLang="en-US" sz="2400" b="1">
+              <a:sym typeface="+mn-ea"/>
+            </a:endParaRPr>
+          </a:p>
+          <a:p>
             <a:endParaRPr lang="zh-CN" altLang="en-US" sz="2400" b="1">
               <a:sym typeface="+mn-ea"/>
             </a:endParaRPr>
@@ -6402,82 +6382,123 @@
             </a:endParaRPr>
           </a:p>
           <a:p>
-            <a:endParaRPr lang="en-US" altLang="zh-CN" sz="2400" b="1">
-              <a:sym typeface="+mn-ea"/>
-            </a:endParaRPr>
-          </a:p>
-          <a:p>
             <a:r>
               <a:rPr lang="en-US" altLang="zh-CN" sz="2400" b="1">
                 <a:sym typeface="+mn-ea"/>
               </a:rPr>
-              <a:t>	</a:t>
-            </a:r>
-            <a:endParaRPr lang="en-US" altLang="zh-CN" sz="2400" b="1">
-              <a:sym typeface="+mn-ea"/>
-            </a:endParaRPr>
-          </a:p>
-          <a:p>
+              <a:t>//</a:t>
+            </a:r>
+            <a:r>
+              <a:rPr lang="zh-CN" altLang="en-US" sz="2400" b="1">
+                <a:sym typeface="+mn-ea"/>
+              </a:rPr>
+              <a:t>点</a:t>
+            </a:r>
+            <a:r>
+              <a:rPr lang="en-US" altLang="en-US" sz="2400" b="1">
+                <a:sym typeface="+mn-ea"/>
+              </a:rPr>
+              <a:t>(i,j)</a:t>
+            </a:r>
+            <a:r>
+              <a:rPr lang="zh-CN" altLang="en-US" sz="2400" b="1">
+                <a:sym typeface="+mn-ea"/>
+              </a:rPr>
+              <a:t>是否</a:t>
+            </a:r>
+            <a:r>
+              <a:rPr lang="zh-CN" altLang="zh-CN" sz="2400" b="1">
+                <a:sym typeface="+mn-ea"/>
+              </a:rPr>
+              <a:t>扩张</a:t>
+            </a:r>
             <a:r>
               <a:rPr lang="en-US" altLang="zh-CN" sz="2400" b="1">
                 <a:sym typeface="+mn-ea"/>
               </a:rPr>
-              <a:t>//</a:t>
+              <a:t>, </a:t>
+            </a:r>
+            <a:r>
+              <a:rPr lang="zh-CN" altLang="zh-CN" sz="2400" b="1">
+                <a:sym typeface="+mn-ea"/>
+              </a:rPr>
+              <a:t>可以取决于该路径的（惩罚加和</a:t>
+            </a:r>
+            <a:r>
+              <a:rPr lang="en-US" altLang="zh-CN" sz="2400" b="1">
+                <a:sym typeface="+mn-ea"/>
+              </a:rPr>
+              <a:t>/</a:t>
             </a:r>
             <a:r>
               <a:rPr lang="zh-CN" altLang="en-US" sz="2400" b="1">
                 <a:sym typeface="+mn-ea"/>
               </a:rPr>
-              <a:t>点</a:t>
-            </a:r>
-            <a:r>
-              <a:rPr lang="en-US" altLang="en-US" sz="2400" b="1">
-                <a:sym typeface="+mn-ea"/>
-              </a:rPr>
-              <a:t>(i,j)</a:t>
+              <a:t>路径长度）</a:t>
+            </a:r>
+            <a:r>
+              <a:rPr lang="zh-CN" altLang="zh-CN" sz="2400" b="1">
+                <a:sym typeface="+mn-ea"/>
+              </a:rPr>
+              <a:t>小于某阈值</a:t>
+            </a:r>
+            <a:endParaRPr lang="zh-CN" altLang="zh-CN" sz="2400" b="1">
+              <a:sym typeface="+mn-ea"/>
+            </a:endParaRPr>
+          </a:p>
+          <a:p>
+            <a:r>
+              <a:rPr lang="en-US" altLang="zh-CN" sz="2400" b="1">
+                <a:sym typeface="+mn-ea"/>
+              </a:rPr>
+              <a:t>// </a:t>
             </a:r>
             <a:r>
               <a:rPr lang="zh-CN" altLang="en-US" sz="2400" b="1">
                 <a:sym typeface="+mn-ea"/>
               </a:rPr>
-              <a:t>是否</a:t>
+              <a:t>或是 </a:t>
             </a:r>
             <a:r>
               <a:rPr lang="zh-CN" altLang="zh-CN" sz="2400" b="1">
                 <a:sym typeface="+mn-ea"/>
               </a:rPr>
-              <a:t>扩张</a:t>
+              <a:t>该路径扩张一个点之后 （惩罚加和</a:t>
             </a:r>
             <a:r>
               <a:rPr lang="en-US" altLang="zh-CN" sz="2400" b="1">
                 <a:sym typeface="+mn-ea"/>
               </a:rPr>
-              <a:t>, </a:t>
-            </a:r>
-            <a:r>
-              <a:rPr lang="zh-CN" altLang="zh-CN" sz="2400" b="1">
-                <a:sym typeface="+mn-ea"/>
-              </a:rPr>
-              <a:t>可以取决于该路径的（惩罚加和</a:t>
-            </a:r>
+              <a:t>/</a:t>
+            </a:r>
+            <a:r>
+              <a:rPr lang="zh-CN" altLang="en-US" sz="2400" b="1">
+                <a:sym typeface="+mn-ea"/>
+              </a:rPr>
+              <a:t>路径长度） 变得更小了</a:t>
+            </a:r>
+            <a:endParaRPr lang="zh-CN" altLang="en-US" sz="2400" b="1">
+              <a:sym typeface="+mn-ea"/>
+            </a:endParaRPr>
+          </a:p>
+          <a:p>
             <a:r>
               <a:rPr lang="en-US" altLang="zh-CN" sz="2400" b="1">
                 <a:sym typeface="+mn-ea"/>
               </a:rPr>
-              <a:t>/</a:t>
+              <a:t>// </a:t>
             </a:r>
             <a:r>
               <a:rPr lang="zh-CN" altLang="en-US" sz="2400" b="1">
                 <a:sym typeface="+mn-ea"/>
               </a:rPr>
-              <a:t>路径长度）</a:t>
-            </a:r>
-            <a:r>
-              <a:rPr lang="zh-CN" altLang="zh-CN" sz="2400" b="1">
-                <a:sym typeface="+mn-ea"/>
-              </a:rPr>
-              <a:t>小于某阈值</a:t>
-            </a:r>
+              <a:t>前后扩张同理</a:t>
+            </a:r>
+            <a:endParaRPr lang="zh-CN" altLang="en-US" sz="2400" b="1">
+              <a:sym typeface="+mn-ea"/>
+            </a:endParaRPr>
+          </a:p>
+          <a:p>
             <a:endParaRPr lang="zh-CN" altLang="en-US" sz="2400" b="1">
               <a:sym typeface="+mn-ea"/>
             </a:endParaRPr>
@@ -6504,7 +6525,7 @@
       </p:sp>
       <p:pic>
         <p:nvPicPr>
-          <p:cNvPr id="2" name="图片 1"/>
+          <p:cNvPr id="5" name="图片 4"/>
           <p:cNvPicPr>
             <a:picLocks noChangeAspect="1"/>
           </p:cNvPicPr>
@@ -6518,8 +6539,8 @@
         </p:blipFill>
         <p:spPr>
           <a:xfrm>
-            <a:off x="6169025" y="1732280"/>
-            <a:ext cx="5706110" cy="3728720"/>
+            <a:off x="6144895" y="1600200"/>
+            <a:ext cx="5978525" cy="4036060"/>
           </a:xfrm>
           <a:prstGeom prst="rect">
             <a:avLst/>
@@ -6718,7 +6739,7 @@
         <p:spPr>
           <a:xfrm>
             <a:off x="154305" y="1678305"/>
-            <a:ext cx="11299190" cy="6015990"/>
+            <a:ext cx="11299190" cy="4538345"/>
           </a:xfrm>
           <a:prstGeom prst="rect">
             <a:avLst/>
@@ -6761,201 +6782,79 @@
               <a:rPr lang="zh-CN" altLang="en-US" sz="2400" b="1">
                 <a:sym typeface="+mn-ea"/>
               </a:rPr>
-              <a:t>③</a:t>
+              <a:t>③向后扩张</a:t>
+            </a:r>
+            <a:endParaRPr lang="zh-CN" altLang="en-US" sz="2400" b="1">
+              <a:sym typeface="+mn-ea"/>
+            </a:endParaRPr>
+          </a:p>
+          <a:p>
+            <a:r>
+              <a:rPr lang="en-US" altLang="zh-CN" sz="2400" b="1">
+                <a:sym typeface="+mn-ea"/>
+              </a:rPr>
+              <a:t>B</a:t>
             </a:r>
             <a:r>
               <a:rPr lang="zh-CN" altLang="en-US" sz="2400" b="1">
                 <a:sym typeface="+mn-ea"/>
               </a:rPr>
-              <a:t>向后</a:t>
+              <a:t>ackward </a:t>
+            </a:r>
+            <a:r>
+              <a:rPr lang="en-US" altLang="zh-CN" sz="2400" b="1">
+                <a:sym typeface="+mn-ea"/>
+              </a:rPr>
+              <a:t>P</a:t>
             </a:r>
             <a:r>
               <a:rPr lang="zh-CN" altLang="en-US" sz="2400" b="1">
                 <a:sym typeface="+mn-ea"/>
               </a:rPr>
-              <a:t>扩张</a:t>
-            </a:r>
-            <a:endParaRPr lang="zh-CN" altLang="en-US" sz="2400" b="1">
-              <a:sym typeface="+mn-ea"/>
-            </a:endParaRPr>
-          </a:p>
-          <a:p>
+              <a:t>ath</a:t>
+            </a:r>
             <a:r>
               <a:rPr lang="en-US" altLang="zh-CN" sz="2400" b="1">
                 <a:sym typeface="+mn-ea"/>
               </a:rPr>
-              <a:t>B</a:t>
-            </a:r>
+              <a:t>s</a:t>
+            </a:r>
+            <a:endParaRPr lang="en-US" altLang="zh-CN" sz="2400" b="1">
+              <a:sym typeface="+mn-ea"/>
+            </a:endParaRPr>
+          </a:p>
+          <a:p>
+            <a:endParaRPr lang="zh-CN" altLang="en-US" sz="2400" b="1">
+              <a:sym typeface="+mn-ea"/>
+            </a:endParaRPr>
+          </a:p>
+          <a:p>
+            <a:endParaRPr lang="zh-CN" altLang="en-US" sz="2400" b="1">
+              <a:sym typeface="+mn-ea"/>
+            </a:endParaRPr>
+          </a:p>
+          <a:p>
             <a:r>
               <a:rPr lang="zh-CN" altLang="en-US" sz="2400" b="1">
                 <a:sym typeface="+mn-ea"/>
               </a:rPr>
-              <a:t>ackward path</a:t>
-            </a:r>
-            <a:r>
-              <a:rPr lang="en-US" altLang="zh-CN" sz="2400" b="1">
-                <a:sym typeface="+mn-ea"/>
-              </a:rPr>
-              <a:t>S</a:t>
-            </a:r>
+              <a:t>扩张完之后，每个起点只保留最长的路径</a:t>
+            </a:r>
+            <a:endParaRPr lang="zh-CN" altLang="en-US" sz="2400" b="1">
+              <a:sym typeface="+mn-ea"/>
+            </a:endParaRPr>
+          </a:p>
+          <a:p>
             <a:endParaRPr lang="en-US" altLang="zh-CN" sz="2400" b="1">
               <a:sym typeface="+mn-ea"/>
             </a:endParaRPr>
           </a:p>
           <a:p>
-            <a:endParaRPr lang="zh-CN" altLang="en-US" sz="2400" b="1">
-              <a:sym typeface="+mn-ea"/>
-            </a:endParaRPr>
-          </a:p>
-          <a:p>
             <a:r>
               <a:rPr lang="zh-CN" altLang="en-US" sz="2400" b="1">
                 <a:sym typeface="+mn-ea"/>
               </a:rPr>
-              <a:t>和向前扩张一样的算法，</a:t>
-            </a:r>
-            <a:endParaRPr lang="zh-CN" altLang="en-US" sz="2400" b="1">
-              <a:sym typeface="+mn-ea"/>
-            </a:endParaRPr>
-          </a:p>
-          <a:p>
-            <a:r>
-              <a:rPr lang="zh-CN" altLang="en-US" sz="2400" b="1">
-                <a:sym typeface="+mn-ea"/>
-              </a:rPr>
-              <a:t>只是方向变成向后。</a:t>
-            </a:r>
-            <a:endParaRPr lang="zh-CN" altLang="en-US" sz="2400" b="1">
-              <a:sym typeface="+mn-ea"/>
-            </a:endParaRPr>
-          </a:p>
-          <a:p>
-            <a:endParaRPr lang="zh-CN" altLang="en-US" sz="2400" b="1">
-              <a:sym typeface="+mn-ea"/>
-            </a:endParaRPr>
-          </a:p>
-          <a:p>
-            <a:endParaRPr lang="en-US" altLang="zh-CN" sz="2400" b="1">
-              <a:sym typeface="+mn-ea"/>
-            </a:endParaRPr>
-          </a:p>
-          <a:p>
-            <a:endParaRPr lang="en-US" altLang="zh-CN" sz="2400" b="1">
-              <a:sym typeface="+mn-ea"/>
-            </a:endParaRPr>
-          </a:p>
-          <a:p>
-            <a:r>
-              <a:rPr lang="en-US" altLang="zh-CN" sz="2400" b="1">
-                <a:sym typeface="+mn-ea"/>
-              </a:rPr>
-              <a:t>//</a:t>
-            </a:r>
-            <a:r>
-              <a:rPr lang="zh-CN" altLang="en-US" sz="2400" b="1">
-                <a:sym typeface="+mn-ea"/>
-              </a:rPr>
-              <a:t>点</a:t>
-            </a:r>
-            <a:r>
-              <a:rPr lang="en-US" altLang="en-US" sz="2400" b="1">
-                <a:sym typeface="+mn-ea"/>
-              </a:rPr>
-              <a:t>(i,j)</a:t>
-            </a:r>
-            <a:r>
-              <a:rPr lang="zh-CN" altLang="en-US" sz="2400" b="1">
-                <a:sym typeface="+mn-ea"/>
-              </a:rPr>
-              <a:t>是否</a:t>
-            </a:r>
-            <a:r>
-              <a:rPr lang="zh-CN" altLang="zh-CN" sz="2400" b="1">
-                <a:sym typeface="+mn-ea"/>
-              </a:rPr>
-              <a:t>扩张</a:t>
-            </a:r>
-            <a:r>
-              <a:rPr lang="en-US" altLang="zh-CN" sz="2400" b="1">
-                <a:sym typeface="+mn-ea"/>
-              </a:rPr>
-              <a:t>, </a:t>
-            </a:r>
-            <a:r>
-              <a:rPr lang="zh-CN" altLang="zh-CN" sz="2400" b="1">
-                <a:sym typeface="+mn-ea"/>
-              </a:rPr>
-              <a:t>可以取决于该路径的（惩罚加和</a:t>
-            </a:r>
-            <a:r>
-              <a:rPr lang="en-US" altLang="zh-CN" sz="2400" b="1">
-                <a:sym typeface="+mn-ea"/>
-              </a:rPr>
-              <a:t>/</a:t>
-            </a:r>
-            <a:r>
-              <a:rPr lang="zh-CN" altLang="en-US" sz="2400" b="1">
-                <a:sym typeface="+mn-ea"/>
-              </a:rPr>
-              <a:t>路径长度）</a:t>
-            </a:r>
-            <a:r>
-              <a:rPr lang="zh-CN" altLang="zh-CN" sz="2400" b="1">
-                <a:sym typeface="+mn-ea"/>
-              </a:rPr>
-              <a:t>小于某阈值</a:t>
-            </a:r>
-            <a:endParaRPr lang="zh-CN" altLang="zh-CN" sz="2400" b="1">
-              <a:sym typeface="+mn-ea"/>
-            </a:endParaRPr>
-          </a:p>
-          <a:p>
-            <a:r>
-              <a:rPr lang="en-US" altLang="zh-CN" sz="2400" b="1">
-                <a:sym typeface="+mn-ea"/>
-              </a:rPr>
-              <a:t>// </a:t>
-            </a:r>
-            <a:r>
-              <a:rPr lang="zh-CN" altLang="en-US" sz="2400" b="1">
-                <a:sym typeface="+mn-ea"/>
-              </a:rPr>
-              <a:t>或是 </a:t>
-            </a:r>
-            <a:r>
-              <a:rPr lang="zh-CN" altLang="zh-CN" sz="2400" b="1">
-                <a:sym typeface="+mn-ea"/>
-              </a:rPr>
-              <a:t>该路径扩张一个点之后 （惩罚加和</a:t>
-            </a:r>
-            <a:r>
-              <a:rPr lang="en-US" altLang="zh-CN" sz="2400" b="1">
-                <a:sym typeface="+mn-ea"/>
-              </a:rPr>
-              <a:t>/</a:t>
-            </a:r>
-            <a:r>
-              <a:rPr lang="zh-CN" altLang="en-US" sz="2400" b="1">
-                <a:sym typeface="+mn-ea"/>
-              </a:rPr>
-              <a:t>路径长度） 变得更小了</a:t>
-            </a:r>
-            <a:endParaRPr lang="zh-CN" altLang="en-US" sz="2400" b="1">
-              <a:sym typeface="+mn-ea"/>
-            </a:endParaRPr>
-          </a:p>
-          <a:p>
-            <a:r>
-              <a:rPr lang="en-US" altLang="zh-CN" sz="2400" b="1">
-                <a:sym typeface="+mn-ea"/>
-              </a:rPr>
-              <a:t>// </a:t>
-            </a:r>
-            <a:r>
-              <a:rPr lang="zh-CN" altLang="en-US" sz="2400" b="1">
-                <a:sym typeface="+mn-ea"/>
-              </a:rPr>
-              <a:t>前后扩张同理</a:t>
+              <a:t>如右图</a:t>
             </a:r>
             <a:endParaRPr lang="zh-CN" altLang="en-US" sz="2400" b="1">
               <a:sym typeface="+mn-ea"/>
@@ -6988,7 +6887,7 @@
       </p:sp>
       <p:pic>
         <p:nvPicPr>
-          <p:cNvPr id="5" name="图片 4"/>
+          <p:cNvPr id="2" name="图片 1"/>
           <p:cNvPicPr>
             <a:picLocks noChangeAspect="1"/>
           </p:cNvPicPr>
@@ -7002,8 +6901,8 @@
         </p:blipFill>
         <p:spPr>
           <a:xfrm>
-            <a:off x="6144895" y="1600200"/>
-            <a:ext cx="5978525" cy="4036060"/>
+            <a:off x="6268720" y="1678305"/>
+            <a:ext cx="5646420" cy="3700145"/>
           </a:xfrm>
           <a:prstGeom prst="rect">
             <a:avLst/>
@@ -7202,7 +7101,7 @@
         <p:spPr>
           <a:xfrm>
             <a:off x="154305" y="1678305"/>
-            <a:ext cx="11299190" cy="4538345"/>
+            <a:ext cx="11299190" cy="5646420"/>
           </a:xfrm>
           <a:prstGeom prst="rect">
             <a:avLst/>
@@ -7215,100 +7114,119 @@
           </a:bodyPr>
           <a:p>
             <a:r>
-              <a:rPr lang="zh-CN" altLang="zh-CN" sz="2400" b="1">
-                <a:sym typeface="+mn-ea"/>
-              </a:rPr>
-              <a:t>Unbounded DTW</a:t>
-            </a:r>
-            <a:endParaRPr lang="zh-CN" altLang="zh-CN" sz="2400" b="1">
-              <a:sym typeface="+mn-ea"/>
-            </a:endParaRPr>
-          </a:p>
-          <a:p>
-            <a:r>
-              <a:rPr lang="zh-CN" altLang="zh-CN" sz="2400" b="1">
-                <a:sym typeface="+mn-ea"/>
-              </a:rPr>
-              <a:t>核心思想</a:t>
-            </a:r>
-            <a:endParaRPr lang="zh-CN" altLang="zh-CN" sz="2400" b="1">
-              <a:sym typeface="+mn-ea"/>
-            </a:endParaRPr>
-          </a:p>
-          <a:p>
-            <a:endParaRPr lang="zh-CN" altLang="en-US" sz="2400" b="1">
-              <a:sym typeface="+mn-ea"/>
-            </a:endParaRPr>
-          </a:p>
-          <a:p>
-            <a:r>
               <a:rPr lang="zh-CN" altLang="en-US" sz="2400" b="1">
                 <a:sym typeface="+mn-ea"/>
               </a:rPr>
-              <a:t>③向后扩张</a:t>
-            </a:r>
-            <a:endParaRPr lang="zh-CN" altLang="en-US" sz="2400" b="1">
-              <a:sym typeface="+mn-ea"/>
-            </a:endParaRPr>
-          </a:p>
-          <a:p>
+              <a:t>于是，我们已经达到了我们的目的。</a:t>
+            </a:r>
+            <a:endParaRPr lang="zh-CN" altLang="en-US" sz="2400" b="1">
+              <a:sym typeface="+mn-ea"/>
+            </a:endParaRPr>
+          </a:p>
+          <a:p>
+            <a:r>
+              <a:rPr lang="zh-CN" altLang="en-US" sz="2400" b="1">
+                <a:sym typeface="+mn-ea"/>
+              </a:rPr>
+              <a:t>找到了</a:t>
+            </a:r>
             <a:r>
               <a:rPr lang="en-US" altLang="zh-CN" sz="2400" b="1">
                 <a:sym typeface="+mn-ea"/>
               </a:rPr>
-              <a:t>B</a:t>
+              <a:t>“</a:t>
             </a:r>
             <a:r>
               <a:rPr lang="zh-CN" altLang="en-US" sz="2400" b="1">
                 <a:sym typeface="+mn-ea"/>
               </a:rPr>
-              <a:t>ackward </a:t>
+              <a:t>红色路径</a:t>
             </a:r>
             <a:r>
               <a:rPr lang="en-US" altLang="zh-CN" sz="2400" b="1">
                 <a:sym typeface="+mn-ea"/>
               </a:rPr>
-              <a:t>P</a:t>
+              <a:t>”</a:t>
             </a:r>
             <a:r>
               <a:rPr lang="zh-CN" altLang="en-US" sz="2400" b="1">
                 <a:sym typeface="+mn-ea"/>
               </a:rPr>
-              <a:t>ath</a:t>
+              <a:t>，解决了</a:t>
             </a:r>
             <a:r>
               <a:rPr lang="en-US" altLang="zh-CN" sz="2400" b="1">
                 <a:sym typeface="+mn-ea"/>
               </a:rPr>
-              <a:t>s</a:t>
-            </a:r>
-            <a:endParaRPr lang="en-US" altLang="zh-CN" sz="2400" b="1">
-              <a:sym typeface="+mn-ea"/>
-            </a:endParaRPr>
-          </a:p>
-          <a:p>
-            <a:endParaRPr lang="zh-CN" altLang="en-US" sz="2400" b="1">
-              <a:sym typeface="+mn-ea"/>
-            </a:endParaRPr>
-          </a:p>
-          <a:p>
-            <a:endParaRPr lang="zh-CN" altLang="en-US" sz="2400" b="1">
-              <a:sym typeface="+mn-ea"/>
-            </a:endParaRPr>
-          </a:p>
-          <a:p>
+              <a:t>“ I </a:t>
+            </a:r>
+            <a:r>
+              <a:rPr lang="en-US" altLang="zh-CN" sz="2400" b="1">
+                <a:solidFill>
+                  <a:srgbClr val="FF0000"/>
+                </a:solidFill>
+                <a:sym typeface="+mn-ea"/>
+              </a:rPr>
+              <a:t>have </a:t>
+            </a:r>
+            <a:r>
+              <a:rPr lang="en-US" altLang="zh-CN" sz="2400" b="1">
+                <a:sym typeface="+mn-ea"/>
+              </a:rPr>
+              <a:t>two </a:t>
+            </a:r>
+            <a:r>
+              <a:rPr lang="en-US" altLang="zh-CN" sz="2400" b="1">
+                <a:solidFill>
+                  <a:srgbClr val="FF0000"/>
+                </a:solidFill>
+                <a:sym typeface="+mn-ea"/>
+              </a:rPr>
+              <a:t>pens</a:t>
+            </a:r>
+            <a:r>
+              <a:rPr lang="en-US" altLang="zh-CN" sz="2400" b="1">
+                <a:sym typeface="+mn-ea"/>
+              </a:rPr>
+              <a:t>”“You </a:t>
+            </a:r>
+            <a:r>
+              <a:rPr lang="en-US" altLang="zh-CN" sz="2400" b="1">
+                <a:solidFill>
+                  <a:srgbClr val="FF0000"/>
+                </a:solidFill>
+                <a:sym typeface="+mn-ea"/>
+              </a:rPr>
+              <a:t>have </a:t>
+            </a:r>
+            <a:r>
+              <a:rPr lang="en-US" altLang="zh-CN" sz="2400" b="1">
+                <a:sym typeface="+mn-ea"/>
+              </a:rPr>
+              <a:t>many </a:t>
+            </a:r>
+            <a:r>
+              <a:rPr lang="en-US" altLang="zh-CN" sz="2400" b="1">
+                <a:solidFill>
+                  <a:srgbClr val="FF0000"/>
+                </a:solidFill>
+                <a:sym typeface="+mn-ea"/>
+              </a:rPr>
+              <a:t>pens</a:t>
+            </a:r>
+            <a:r>
+              <a:rPr lang="en-US" altLang="zh-CN" sz="2400" b="1">
+                <a:sym typeface="+mn-ea"/>
+              </a:rPr>
+              <a:t>”</a:t>
+            </a:r>
             <a:r>
               <a:rPr lang="zh-CN" altLang="en-US" sz="2400" b="1">
                 <a:sym typeface="+mn-ea"/>
               </a:rPr>
-              <a:t>扩张完之后，每个起点只保留最长的路径</a:t>
-            </a:r>
-            <a:endParaRPr lang="zh-CN" altLang="en-US" sz="2400" b="1">
-              <a:sym typeface="+mn-ea"/>
-            </a:endParaRPr>
-          </a:p>
-          <a:p>
-            <a:endParaRPr lang="en-US" altLang="zh-CN" sz="2400" b="1">
+              <a:t>问题</a:t>
+            </a:r>
+            <a:endParaRPr lang="zh-CN" altLang="en-US" sz="2400" b="1">
               <a:sym typeface="+mn-ea"/>
             </a:endParaRPr>
           </a:p>
@@ -7317,13 +7235,105 @@
               <a:rPr lang="zh-CN" altLang="en-US" sz="2400" b="1">
                 <a:sym typeface="+mn-ea"/>
               </a:rPr>
-              <a:t>如右图</a:t>
-            </a:r>
-            <a:endParaRPr lang="zh-CN" altLang="en-US" sz="2400" b="1">
-              <a:sym typeface="+mn-ea"/>
-            </a:endParaRPr>
-          </a:p>
-          <a:p>
+              <a:t>即解决了</a:t>
+            </a:r>
+            <a:r>
+              <a:rPr lang="en-US" altLang="zh-CN" sz="2400" b="1">
+                <a:sym typeface="+mn-ea"/>
+              </a:rPr>
+              <a:t>“</a:t>
+            </a:r>
+            <a:r>
+              <a:rPr lang="zh-CN" altLang="en-US" sz="2400" b="1">
+                <a:sym typeface="+mn-ea"/>
+              </a:rPr>
+              <a:t>部分序列匹配问题</a:t>
+            </a:r>
+            <a:r>
+              <a:rPr lang="en-US" altLang="zh-CN" sz="2400" b="1">
+                <a:sym typeface="+mn-ea"/>
+              </a:rPr>
+              <a:t>”</a:t>
+            </a:r>
+            <a:r>
+              <a:rPr lang="zh-CN" altLang="en-US" sz="2400" b="1">
+                <a:sym typeface="+mn-ea"/>
+              </a:rPr>
+              <a:t>。</a:t>
+            </a:r>
+            <a:endParaRPr lang="zh-CN" altLang="en-US" sz="2400" b="1">
+              <a:sym typeface="+mn-ea"/>
+            </a:endParaRPr>
+          </a:p>
+          <a:p>
+            <a:endParaRPr lang="zh-CN" altLang="en-US" sz="2400" b="1">
+              <a:sym typeface="+mn-ea"/>
+            </a:endParaRPr>
+          </a:p>
+          <a:p>
+            <a:endParaRPr lang="zh-CN" altLang="en-US" sz="2400" b="1">
+              <a:sym typeface="+mn-ea"/>
+            </a:endParaRPr>
+          </a:p>
+          <a:p>
+            <a:endParaRPr lang="zh-CN" altLang="en-US" sz="2400" b="1">
+              <a:sym typeface="+mn-ea"/>
+            </a:endParaRPr>
+          </a:p>
+          <a:p>
+            <a:endParaRPr lang="zh-CN" altLang="en-US" sz="2400" b="1">
+              <a:sym typeface="+mn-ea"/>
+            </a:endParaRPr>
+          </a:p>
+          <a:p>
+            <a:endParaRPr lang="zh-CN" altLang="en-US" sz="2400" b="1">
+              <a:sym typeface="+mn-ea"/>
+            </a:endParaRPr>
+          </a:p>
+          <a:p>
+            <a:endParaRPr lang="zh-CN" altLang="en-US" sz="2400" b="1">
+              <a:sym typeface="+mn-ea"/>
+            </a:endParaRPr>
+          </a:p>
+          <a:p>
+            <a:endParaRPr lang="zh-CN" altLang="en-US" sz="2400" b="1">
+              <a:sym typeface="+mn-ea"/>
+            </a:endParaRPr>
+          </a:p>
+          <a:p>
+            <a:endParaRPr lang="zh-CN" altLang="en-US" sz="2400" b="1">
+              <a:sym typeface="+mn-ea"/>
+            </a:endParaRPr>
+          </a:p>
+          <a:p>
+            <a:r>
+              <a:rPr lang="zh-CN" altLang="en-US" sz="2400" b="1">
+                <a:sym typeface="+mn-ea"/>
+              </a:rPr>
+              <a:t>本来呢，这样就可以结束了。</a:t>
+            </a:r>
+            <a:endParaRPr lang="zh-CN" altLang="en-US" sz="2400" b="1">
+              <a:sym typeface="+mn-ea"/>
+            </a:endParaRPr>
+          </a:p>
+          <a:p>
+            <a:r>
+              <a:rPr lang="zh-CN" altLang="en-US" sz="2400" b="1">
+                <a:sym typeface="+mn-ea"/>
+              </a:rPr>
+              <a:t>Unbounded DTW 核心思想已经很清楚了：选关键点，向前扩张，向后扩张。</a:t>
+            </a:r>
+            <a:endParaRPr lang="zh-CN" altLang="en-US" sz="2400" b="1">
+              <a:sym typeface="+mn-ea"/>
+            </a:endParaRPr>
+          </a:p>
+          <a:p>
+            <a:r>
+              <a:rPr lang="zh-CN" altLang="en-US" sz="2400" b="1">
+                <a:sym typeface="+mn-ea"/>
+              </a:rPr>
+              <a:t>但怀着对原文作者的尊敬，还有必要提一下原文中其它有趣的细节。</a:t>
+            </a:r>
             <a:endParaRPr lang="zh-CN" altLang="en-US" sz="2400" b="1">
               <a:sym typeface="+mn-ea"/>
             </a:endParaRPr>
@@ -7364,14 +7374,75 @@
         </p:blipFill>
         <p:spPr>
           <a:xfrm>
-            <a:off x="6268720" y="1678305"/>
-            <a:ext cx="5646420" cy="3700145"/>
+            <a:off x="6593840" y="2490470"/>
+            <a:ext cx="5375910" cy="3522980"/>
           </a:xfrm>
           <a:prstGeom prst="rect">
             <a:avLst/>
           </a:prstGeom>
         </p:spPr>
       </p:pic>
+      <p:pic>
+        <p:nvPicPr>
+          <p:cNvPr id="5" name="图片 4"/>
+          <p:cNvPicPr>
+            <a:picLocks noChangeAspect="1"/>
+          </p:cNvPicPr>
+          <p:nvPr/>
+        </p:nvPicPr>
+        <p:blipFill>
+          <a:blip r:embed="rId2"/>
+          <a:stretch>
+            <a:fillRect/>
+          </a:stretch>
+        </p:blipFill>
+        <p:spPr>
+          <a:xfrm>
+            <a:off x="1258570" y="2849880"/>
+            <a:ext cx="4378960" cy="2804795"/>
+          </a:xfrm>
+          <a:prstGeom prst="rect">
+            <a:avLst/>
+          </a:prstGeom>
+        </p:spPr>
+      </p:pic>
+      <p:sp>
+        <p:nvSpPr>
+          <p:cNvPr id="6" name="文本框 5"/>
+          <p:cNvSpPr txBox="1"/>
+          <p:nvPr/>
+        </p:nvSpPr>
+        <p:spPr>
+          <a:xfrm>
+            <a:off x="5201285" y="3244850"/>
+            <a:ext cx="1789430" cy="368300"/>
+          </a:xfrm>
+          <a:prstGeom prst="rect">
+            <a:avLst/>
+          </a:prstGeom>
+          <a:noFill/>
+        </p:spPr>
+        <p:txBody>
+          <a:bodyPr wrap="none" rtlCol="0" anchor="t">
+            <a:spAutoFit/>
+          </a:bodyPr>
+          <a:p>
+            <a:pPr eaLnBrk="1" hangingPunct="1"/>
+            <a:r>
+              <a:rPr lang="en-US" altLang="zh-CN" i="1" dirty="0" smtClean="0">
+                <a:solidFill>
+                  <a:srgbClr val="F2F2F2"/>
+                </a:solidFill>
+                <a:latin typeface="Times New Roman" panose="02020603050405020304" pitchFamily="18" charset="0"/>
+                <a:ea typeface="微软雅黑" panose="020B0503020204020204" pitchFamily="34" charset="-122"/>
+                <a:sym typeface="+mn-ea"/>
+              </a:rPr>
+              <a:t>Unbounded DTW</a:t>
+            </a:r>
+            <a:endParaRPr lang="zh-CN" altLang="en-US"/>
+          </a:p>
+        </p:txBody>
+      </p:sp>
     </p:spTree>
   </p:cSld>
   <p:clrMapOvr>
@@ -7580,8 +7651,13 @@
               <a:rPr lang="zh-CN" altLang="en-US" sz="2400" b="1">
                 <a:sym typeface="+mn-ea"/>
               </a:rPr>
-              <a:t>于是，我们已经达到了我们的目的。</a:t>
-            </a:r>
+              <a:t>Unbounded DTW 细枝末节：</a:t>
+            </a:r>
+            <a:endParaRPr lang="zh-CN" altLang="en-US" sz="2400" b="1">
+              <a:sym typeface="+mn-ea"/>
+            </a:endParaRPr>
+          </a:p>
+          <a:p>
             <a:endParaRPr lang="zh-CN" altLang="en-US" sz="2400" b="1">
               <a:sym typeface="+mn-ea"/>
             </a:endParaRPr>
@@ -7591,104 +7667,46 @@
               <a:rPr lang="zh-CN" altLang="en-US" sz="2400" b="1">
                 <a:sym typeface="+mn-ea"/>
               </a:rPr>
-              <a:t>找到了</a:t>
-            </a:r>
-            <a:r>
-              <a:rPr lang="en-US" altLang="zh-CN" sz="2400" b="1">
-                <a:sym typeface="+mn-ea"/>
-              </a:rPr>
-              <a:t>“</a:t>
-            </a:r>
+              <a:t>① 右图中表格里的所有点的值，</a:t>
+            </a:r>
+            <a:endParaRPr lang="zh-CN" altLang="en-US" sz="2400" b="1">
+              <a:sym typeface="+mn-ea"/>
+            </a:endParaRPr>
+          </a:p>
+          <a:p>
             <a:r>
               <a:rPr lang="zh-CN" altLang="en-US" sz="2400" b="1">
                 <a:sym typeface="+mn-ea"/>
               </a:rPr>
-              <a:t>红色路径</a:t>
-            </a:r>
-            <a:r>
-              <a:rPr lang="en-US" altLang="zh-CN" sz="2400" b="1">
-                <a:sym typeface="+mn-ea"/>
-              </a:rPr>
-              <a:t>”</a:t>
-            </a:r>
+              <a:t>不是提前算好的，</a:t>
+            </a:r>
+            <a:endParaRPr lang="zh-CN" altLang="en-US" sz="2400" b="1">
+              <a:sym typeface="+mn-ea"/>
+            </a:endParaRPr>
+          </a:p>
+          <a:p>
             <a:r>
               <a:rPr lang="zh-CN" altLang="en-US" sz="2400" b="1">
                 <a:sym typeface="+mn-ea"/>
               </a:rPr>
-              <a:t>，解决了</a:t>
-            </a:r>
-            <a:r>
-              <a:rPr lang="en-US" altLang="zh-CN" sz="2400" b="1">
-                <a:sym typeface="+mn-ea"/>
-              </a:rPr>
-              <a:t>“ I </a:t>
-            </a:r>
-            <a:r>
-              <a:rPr lang="en-US" altLang="zh-CN" sz="2400" b="1">
-                <a:solidFill>
-                  <a:srgbClr val="FF0000"/>
-                </a:solidFill>
-                <a:sym typeface="+mn-ea"/>
-              </a:rPr>
-              <a:t>have </a:t>
-            </a:r>
-            <a:r>
-              <a:rPr lang="en-US" altLang="zh-CN" sz="2400" b="1">
-                <a:sym typeface="+mn-ea"/>
-              </a:rPr>
-              <a:t>two </a:t>
-            </a:r>
-            <a:r>
-              <a:rPr lang="en-US" altLang="zh-CN" sz="2400" b="1">
-                <a:solidFill>
-                  <a:srgbClr val="FF0000"/>
-                </a:solidFill>
-                <a:sym typeface="+mn-ea"/>
-              </a:rPr>
-              <a:t>pens</a:t>
-            </a:r>
-            <a:r>
-              <a:rPr lang="en-US" altLang="zh-CN" sz="2400" b="1">
-                <a:sym typeface="+mn-ea"/>
-              </a:rPr>
-              <a:t>”“You </a:t>
-            </a:r>
-            <a:r>
-              <a:rPr lang="en-US" altLang="zh-CN" sz="2400" b="1">
-                <a:solidFill>
-                  <a:srgbClr val="FF0000"/>
-                </a:solidFill>
-                <a:sym typeface="+mn-ea"/>
-              </a:rPr>
-              <a:t>have </a:t>
-            </a:r>
-            <a:r>
-              <a:rPr lang="en-US" altLang="zh-CN" sz="2400" b="1">
-                <a:sym typeface="+mn-ea"/>
-              </a:rPr>
-              <a:t>many </a:t>
-            </a:r>
-            <a:r>
-              <a:rPr lang="en-US" altLang="zh-CN" sz="2400" b="1">
-                <a:solidFill>
-                  <a:srgbClr val="FF0000"/>
-                </a:solidFill>
-                <a:sym typeface="+mn-ea"/>
-              </a:rPr>
-              <a:t>pens</a:t>
-            </a:r>
-            <a:r>
-              <a:rPr lang="en-US" altLang="zh-CN" sz="2400" b="1">
-                <a:sym typeface="+mn-ea"/>
-              </a:rPr>
-              <a:t>”</a:t>
-            </a:r>
+              <a:t>而是用到时才会去计算。</a:t>
+            </a:r>
+            <a:endParaRPr lang="zh-CN" altLang="en-US" sz="2400" b="1">
+              <a:sym typeface="+mn-ea"/>
+            </a:endParaRPr>
+          </a:p>
+          <a:p>
             <a:r>
               <a:rPr lang="zh-CN" altLang="en-US" sz="2400" b="1">
                 <a:sym typeface="+mn-ea"/>
               </a:rPr>
-              <a:t>问题</a:t>
-            </a:r>
+              <a:t>（可以理解为懒加载模式）</a:t>
+            </a:r>
+            <a:endParaRPr lang="zh-CN" altLang="en-US" sz="2400" b="1">
+              <a:sym typeface="+mn-ea"/>
+            </a:endParaRPr>
+          </a:p>
+          <a:p>
             <a:endParaRPr lang="zh-CN" altLang="en-US" sz="2400" b="1">
               <a:sym typeface="+mn-ea"/>
             </a:endParaRPr>
@@ -7698,67 +7716,30 @@
               <a:rPr lang="zh-CN" altLang="en-US" sz="2400" b="1">
                 <a:sym typeface="+mn-ea"/>
               </a:rPr>
-              <a:t>即解决了</a:t>
-            </a:r>
-            <a:r>
-              <a:rPr lang="en-US" altLang="zh-CN" sz="2400" b="1">
-                <a:sym typeface="+mn-ea"/>
-              </a:rPr>
-              <a:t>“</a:t>
-            </a:r>
+              <a:t>比如图中两个蓝点，</a:t>
+            </a:r>
+            <a:endParaRPr lang="zh-CN" altLang="en-US" sz="2400" b="1">
+              <a:sym typeface="+mn-ea"/>
+            </a:endParaRPr>
+          </a:p>
+          <a:p>
             <a:r>
               <a:rPr lang="zh-CN" altLang="en-US" sz="2400" b="1">
                 <a:sym typeface="+mn-ea"/>
               </a:rPr>
-              <a:t>部分序列匹配问题</a:t>
-            </a:r>
-            <a:r>
-              <a:rPr lang="en-US" altLang="zh-CN" sz="2400" b="1">
-                <a:sym typeface="+mn-ea"/>
-              </a:rPr>
-              <a:t>”</a:t>
-            </a:r>
+              <a:t>在向前扩张的时候就没有用到，</a:t>
+            </a:r>
+            <a:endParaRPr lang="zh-CN" altLang="en-US" sz="2400" b="1">
+              <a:sym typeface="+mn-ea"/>
+            </a:endParaRPr>
+          </a:p>
+          <a:p>
             <a:r>
               <a:rPr lang="zh-CN" altLang="en-US" sz="2400" b="1">
                 <a:sym typeface="+mn-ea"/>
               </a:rPr>
-              <a:t>。</a:t>
-            </a:r>
-            <a:endParaRPr lang="zh-CN" altLang="en-US" sz="2400" b="1">
-              <a:sym typeface="+mn-ea"/>
-            </a:endParaRPr>
-          </a:p>
-          <a:p>
-            <a:endParaRPr lang="zh-CN" altLang="en-US" sz="2400" b="1">
-              <a:sym typeface="+mn-ea"/>
-            </a:endParaRPr>
-          </a:p>
-          <a:p>
-            <a:endParaRPr lang="zh-CN" altLang="en-US" sz="2400" b="1">
-              <a:sym typeface="+mn-ea"/>
-            </a:endParaRPr>
-          </a:p>
-          <a:p>
-            <a:endParaRPr lang="zh-CN" altLang="en-US" sz="2400" b="1">
-              <a:sym typeface="+mn-ea"/>
-            </a:endParaRPr>
-          </a:p>
-          <a:p>
-            <a:endParaRPr lang="zh-CN" altLang="en-US" sz="2400" b="1">
-              <a:sym typeface="+mn-ea"/>
-            </a:endParaRPr>
-          </a:p>
-          <a:p>
-            <a:endParaRPr lang="zh-CN" altLang="en-US" sz="2400" b="1">
-              <a:sym typeface="+mn-ea"/>
-            </a:endParaRPr>
-          </a:p>
-          <a:p>
-            <a:endParaRPr lang="zh-CN" altLang="en-US" sz="2400" b="1">
-              <a:sym typeface="+mn-ea"/>
-            </a:endParaRPr>
-          </a:p>
-          <a:p>
+              <a:t>就不用计算。</a:t>
+            </a:r>
             <a:endParaRPr lang="zh-CN" altLang="en-US" sz="2400" b="1">
               <a:sym typeface="+mn-ea"/>
             </a:endParaRPr>
@@ -7773,7 +7754,7 @@
               <a:rPr lang="zh-CN" altLang="en-US" sz="2400" b="1">
                 <a:sym typeface="+mn-ea"/>
               </a:rPr>
-              <a:t>本来呢，这样就可以结束了。</a:t>
+              <a:t>可以想象，当关键点间隔很大时，</a:t>
             </a:r>
             <a:endParaRPr lang="zh-CN" altLang="en-US" sz="2400" b="1">
               <a:sym typeface="+mn-ea"/>
@@ -7784,58 +7765,30 @@
               <a:rPr lang="zh-CN" altLang="en-US" sz="2400" b="1">
                 <a:sym typeface="+mn-ea"/>
               </a:rPr>
-              <a:t>Unbounded DTW 核心思想已经很清楚了：选关键点，向前扩张，向后扩张。</a:t>
-            </a:r>
-            <a:endParaRPr lang="zh-CN" altLang="en-US" sz="2400" b="1">
-              <a:sym typeface="+mn-ea"/>
-            </a:endParaRPr>
-          </a:p>
-          <a:p>
-            <a:r>
-              <a:rPr lang="zh-CN" altLang="en-US" sz="2400" b="1">
-                <a:sym typeface="+mn-ea"/>
-              </a:rPr>
-              <a:t>但怀着对原文作者的尊敬，还有必要提一下原文中其它</a:t>
-            </a:r>
-            <a:r>
-              <a:rPr lang="zh-CN" altLang="en-US" sz="2400" b="1">
-                <a:sym typeface="+mn-ea"/>
-              </a:rPr>
-              <a:t>有趣的</a:t>
-            </a:r>
-            <a:r>
-              <a:rPr lang="zh-CN" altLang="en-US" sz="2400" b="1">
-                <a:sym typeface="+mn-ea"/>
-              </a:rPr>
-              <a:t>细节。</a:t>
-            </a:r>
-            <a:endParaRPr lang="zh-CN" altLang="en-US" sz="2400" b="1">
-              <a:sym typeface="+mn-ea"/>
-            </a:endParaRPr>
-          </a:p>
-          <a:p>
-            <a:r>
-              <a:rPr lang="en-US" altLang="zh-CN" sz="2400" b="1">
-                <a:sym typeface="+mn-ea"/>
-              </a:rPr>
-              <a:t>					</a:t>
-            </a:r>
-            <a:endParaRPr lang="zh-CN" altLang="en-US" sz="2400" b="1">
-              <a:sym typeface="+mn-ea"/>
-            </a:endParaRPr>
-          </a:p>
-          <a:p>
-            <a:r>
-              <a:rPr lang="zh-CN" altLang="zh-CN" sz="100"/>
-              <a:t>：</a:t>
-            </a:r>
+              <a:t>有很多点都是不需要计算的。</a:t>
+            </a:r>
+            <a:endParaRPr lang="zh-CN" altLang="en-US" sz="2400" b="1">
+              <a:sym typeface="+mn-ea"/>
+            </a:endParaRPr>
+          </a:p>
+          <a:p>
+            <a:endParaRPr lang="zh-CN" altLang="en-US" sz="2400" b="1">
+              <a:sym typeface="+mn-ea"/>
+            </a:endParaRPr>
+          </a:p>
+          <a:p>
+            <a:endParaRPr lang="zh-CN" altLang="en-US" sz="2400" b="1">
+              <a:sym typeface="+mn-ea"/>
+            </a:endParaRPr>
+          </a:p>
+          <a:p>
             <a:endParaRPr lang="zh-CN" altLang="zh-CN" sz="100"/>
           </a:p>
         </p:txBody>
       </p:sp>
       <p:pic>
         <p:nvPicPr>
-          <p:cNvPr id="2" name="图片 1"/>
+          <p:cNvPr id="7" name="图片 6"/>
           <p:cNvPicPr>
             <a:picLocks noChangeAspect="1"/>
           </p:cNvPicPr>
@@ -7849,75 +7802,14 @@
         </p:blipFill>
         <p:spPr>
           <a:xfrm>
-            <a:off x="6593840" y="2490470"/>
-            <a:ext cx="5375910" cy="3522980"/>
+            <a:off x="5286375" y="1941195"/>
+            <a:ext cx="6597015" cy="4297680"/>
           </a:xfrm>
           <a:prstGeom prst="rect">
             <a:avLst/>
           </a:prstGeom>
         </p:spPr>
       </p:pic>
-      <p:pic>
-        <p:nvPicPr>
-          <p:cNvPr id="5" name="图片 4"/>
-          <p:cNvPicPr>
-            <a:picLocks noChangeAspect="1"/>
-          </p:cNvPicPr>
-          <p:nvPr/>
-        </p:nvPicPr>
-        <p:blipFill>
-          <a:blip r:embed="rId2"/>
-          <a:stretch>
-            <a:fillRect/>
-          </a:stretch>
-        </p:blipFill>
-        <p:spPr>
-          <a:xfrm>
-            <a:off x="1258570" y="2849880"/>
-            <a:ext cx="4378960" cy="2804795"/>
-          </a:xfrm>
-          <a:prstGeom prst="rect">
-            <a:avLst/>
-          </a:prstGeom>
-        </p:spPr>
-      </p:pic>
-      <p:sp>
-        <p:nvSpPr>
-          <p:cNvPr id="6" name="文本框 5"/>
-          <p:cNvSpPr txBox="1"/>
-          <p:nvPr/>
-        </p:nvSpPr>
-        <p:spPr>
-          <a:xfrm>
-            <a:off x="5201285" y="3244850"/>
-            <a:ext cx="1789430" cy="368300"/>
-          </a:xfrm>
-          <a:prstGeom prst="rect">
-            <a:avLst/>
-          </a:prstGeom>
-          <a:noFill/>
-        </p:spPr>
-        <p:txBody>
-          <a:bodyPr wrap="none" rtlCol="0" anchor="t">
-            <a:spAutoFit/>
-          </a:bodyPr>
-          <a:p>
-            <a:pPr eaLnBrk="1" hangingPunct="1"/>
-            <a:r>
-              <a:rPr lang="en-US" altLang="zh-CN" i="1" dirty="0" smtClean="0">
-                <a:solidFill>
-                  <a:srgbClr val="F2F2F2"/>
-                </a:solidFill>
-                <a:latin typeface="Times New Roman" panose="02020603050405020304" pitchFamily="18" charset="0"/>
-                <a:ea typeface="微软雅黑" panose="020B0503020204020204" pitchFamily="34" charset="-122"/>
-                <a:sym typeface="+mn-ea"/>
-              </a:rPr>
-              <a:t>Unbounded DTW</a:t>
-            </a:r>
-            <a:endParaRPr lang="zh-CN" altLang="en-US"/>
-          </a:p>
-        </p:txBody>
-      </p:sp>
     </p:spTree>
   </p:cSld>
   <p:clrMapOvr>
@@ -8110,7 +8002,7 @@
         <p:spPr>
           <a:xfrm>
             <a:off x="154305" y="1678305"/>
-            <a:ext cx="11299190" cy="5646420"/>
+            <a:ext cx="11299190" cy="2691765"/>
           </a:xfrm>
           <a:prstGeom prst="rect">
             <a:avLst/>
@@ -8142,13 +8034,18 @@
               <a:rPr lang="zh-CN" altLang="en-US" sz="2400" b="1">
                 <a:sym typeface="+mn-ea"/>
               </a:rPr>
-              <a:t>① 右图中表格里的所有点的值</a:t>
-            </a:r>
+              <a:t>② 帧跳跃  如图</a:t>
+            </a:r>
+            <a:endParaRPr lang="zh-CN" altLang="en-US" sz="2400" b="1">
+              <a:sym typeface="+mn-ea"/>
+            </a:endParaRPr>
+          </a:p>
+          <a:p>
             <a:r>
               <a:rPr lang="zh-CN" altLang="en-US" sz="2400" b="1">
                 <a:sym typeface="+mn-ea"/>
               </a:rPr>
-              <a:t>，</a:t>
+              <a:t>作者没有证明这样做的好处，但可以想象，计算量减少了（有可能丢失准确度）</a:t>
             </a:r>
             <a:endParaRPr lang="zh-CN" altLang="en-US" sz="2400" b="1">
               <a:sym typeface="+mn-ea"/>
@@ -8159,102 +8056,15 @@
               <a:rPr lang="zh-CN" altLang="en-US" sz="2400" b="1">
                 <a:sym typeface="+mn-ea"/>
               </a:rPr>
-              <a:t>不是提前算好的，</a:t>
-            </a:r>
-            <a:endParaRPr lang="zh-CN" altLang="en-US" sz="2400" b="1">
-              <a:sym typeface="+mn-ea"/>
-            </a:endParaRPr>
-          </a:p>
-          <a:p>
-            <a:r>
-              <a:rPr lang="zh-CN" altLang="en-US" sz="2400" b="1">
-                <a:sym typeface="+mn-ea"/>
-              </a:rPr>
-              <a:t>而是用到时才会去计算。</a:t>
-            </a:r>
-            <a:endParaRPr lang="zh-CN" altLang="en-US" sz="2400" b="1">
-              <a:sym typeface="+mn-ea"/>
-            </a:endParaRPr>
-          </a:p>
-          <a:p>
-            <a:r>
-              <a:rPr lang="zh-CN" altLang="en-US" sz="2400" b="1">
-                <a:sym typeface="+mn-ea"/>
-              </a:rPr>
-              <a:t>（可以理解为懒加载模式</a:t>
-            </a:r>
-            <a:r>
-              <a:rPr lang="zh-CN" altLang="en-US" sz="2400" b="1">
-                <a:sym typeface="+mn-ea"/>
-              </a:rPr>
-              <a:t>）</a:t>
-            </a:r>
-            <a:endParaRPr lang="zh-CN" altLang="en-US" sz="2400" b="1">
-              <a:sym typeface="+mn-ea"/>
-            </a:endParaRPr>
-          </a:p>
-          <a:p>
-            <a:endParaRPr lang="zh-CN" altLang="en-US" sz="2400" b="1">
-              <a:sym typeface="+mn-ea"/>
-            </a:endParaRPr>
-          </a:p>
-          <a:p>
-            <a:r>
-              <a:rPr lang="zh-CN" altLang="en-US" sz="2400" b="1">
-                <a:sym typeface="+mn-ea"/>
-              </a:rPr>
-              <a:t>比如图中两个蓝点，</a:t>
-            </a:r>
-            <a:endParaRPr lang="zh-CN" altLang="en-US" sz="2400" b="1">
-              <a:sym typeface="+mn-ea"/>
-            </a:endParaRPr>
-          </a:p>
-          <a:p>
-            <a:r>
-              <a:rPr lang="zh-CN" altLang="en-US" sz="2400" b="1">
-                <a:sym typeface="+mn-ea"/>
-              </a:rPr>
-              <a:t>在向前扩张的时候就没有用到，</a:t>
-            </a:r>
-            <a:endParaRPr lang="zh-CN" altLang="en-US" sz="2400" b="1">
-              <a:sym typeface="+mn-ea"/>
-            </a:endParaRPr>
-          </a:p>
-          <a:p>
-            <a:r>
-              <a:rPr lang="zh-CN" altLang="en-US" sz="2400" b="1">
-                <a:sym typeface="+mn-ea"/>
-              </a:rPr>
-              <a:t>就不用计算。</a:t>
-            </a:r>
-            <a:endParaRPr lang="zh-CN" altLang="en-US" sz="2400" b="1">
-              <a:sym typeface="+mn-ea"/>
-            </a:endParaRPr>
-          </a:p>
-          <a:p>
-            <a:endParaRPr lang="zh-CN" altLang="en-US" sz="2400" b="1">
-              <a:sym typeface="+mn-ea"/>
-            </a:endParaRPr>
-          </a:p>
-          <a:p>
-            <a:r>
-              <a:rPr lang="zh-CN" altLang="en-US" sz="2400" b="1">
-                <a:sym typeface="+mn-ea"/>
-              </a:rPr>
-              <a:t>可以想象，当关键点间隔很大时，</a:t>
-            </a:r>
-            <a:endParaRPr lang="zh-CN" altLang="en-US" sz="2400" b="1">
-              <a:sym typeface="+mn-ea"/>
-            </a:endParaRPr>
-          </a:p>
-          <a:p>
-            <a:r>
-              <a:rPr lang="zh-CN" altLang="en-US" sz="2400" b="1">
-                <a:sym typeface="+mn-ea"/>
-              </a:rPr>
-              <a:t>有很多点都是不需要计算的。</a:t>
-            </a:r>
-            <a:endParaRPr lang="zh-CN" altLang="en-US" sz="2400" b="1">
+              <a:t>而且对时间序列的拉伸、压缩容忍比例被限制在 </a:t>
+            </a:r>
+            <a:r>
+              <a:rPr lang="en-US" altLang="en-US" sz="2400" b="1">
+                <a:sym typeface="+mn-ea"/>
+              </a:rPr>
+              <a:t>[1/2 , 2 ]</a:t>
+            </a:r>
+            <a:endParaRPr lang="en-US" altLang="en-US" sz="2400" b="1">
               <a:sym typeface="+mn-ea"/>
             </a:endParaRPr>
           </a:p>
@@ -8275,7 +8085,7 @@
       </p:sp>
       <p:pic>
         <p:nvPicPr>
-          <p:cNvPr id="7" name="图片 6"/>
+          <p:cNvPr id="2" name="图片 1"/>
           <p:cNvPicPr>
             <a:picLocks noChangeAspect="1"/>
           </p:cNvPicPr>
@@ -8289,8 +8099,32 @@
         </p:blipFill>
         <p:spPr>
           <a:xfrm>
-            <a:off x="5286375" y="1941195"/>
-            <a:ext cx="6597015" cy="4297680"/>
+            <a:off x="7309485" y="3570605"/>
+            <a:ext cx="4650740" cy="3018155"/>
+          </a:xfrm>
+          <a:prstGeom prst="rect">
+            <a:avLst/>
+          </a:prstGeom>
+        </p:spPr>
+      </p:pic>
+      <p:pic>
+        <p:nvPicPr>
+          <p:cNvPr id="5" name="图片 4"/>
+          <p:cNvPicPr>
+            <a:picLocks noChangeAspect="1"/>
+          </p:cNvPicPr>
+          <p:nvPr/>
+        </p:nvPicPr>
+        <p:blipFill>
+          <a:blip r:embed="rId2"/>
+          <a:stretch>
+            <a:fillRect/>
+          </a:stretch>
+        </p:blipFill>
+        <p:spPr>
+          <a:xfrm>
+            <a:off x="621665" y="3524250"/>
+            <a:ext cx="4647565" cy="2894965"/>
           </a:xfrm>
           <a:prstGeom prst="rect">
             <a:avLst/>
@@ -8729,15 +8563,7 @@
                 <a:ea typeface="微软雅黑" panose="020B0503020204020204" pitchFamily="34" charset="-122"/>
                 <a:cs typeface="Times New Roman" panose="02020603050405020304" pitchFamily="18" charset="0"/>
               </a:rPr>
-              <a:t>提出一个问题：两条时间序列无限制</a:t>
-            </a:r>
-            <a:r>
-              <a:rPr lang="zh-CN" altLang="en-US" sz="2800" noProof="1">
-                <a:latin typeface="Times New Roman" panose="02020603050405020304" pitchFamily="18" charset="0"/>
-                <a:ea typeface="微软雅黑" panose="020B0503020204020204" pitchFamily="34" charset="-122"/>
-                <a:cs typeface="Times New Roman" panose="02020603050405020304" pitchFamily="18" charset="0"/>
-              </a:rPr>
-              <a:t>匹配</a:t>
+              <a:t>提出一个问题：两条时间序列无限制匹配</a:t>
             </a:r>
             <a:endParaRPr lang="zh-CN" altLang="en-US" sz="2800" noProof="1">
               <a:latin typeface="Times New Roman" panose="02020603050405020304" pitchFamily="18" charset="0"/>
@@ -8822,16 +8648,7 @@
                 </a:solidFill>
                 <a:sym typeface="+mn-ea"/>
               </a:rPr>
-              <a:t>《</a:t>
-            </a:r>
-            <a:r>
-              <a:rPr lang="zh-CN" altLang="en-US" sz="2800" dirty="0" smtClean="0">
-                <a:solidFill>
-                  <a:schemeClr val="tx1"/>
-                </a:solidFill>
-                <a:sym typeface="+mn-ea"/>
-              </a:rPr>
-              <a:t>Partial sequence matching </a:t>
+              <a:t>《Partial sequence matching </a:t>
             </a:r>
             <a:endParaRPr lang="zh-CN" altLang="en-US" sz="2800" dirty="0" smtClean="0">
               <a:solidFill>
@@ -9090,7 +8907,7 @@
         <p:spPr>
           <a:xfrm>
             <a:off x="154305" y="1678305"/>
-            <a:ext cx="11299190" cy="2691765"/>
+            <a:ext cx="11299190" cy="6015990"/>
           </a:xfrm>
           <a:prstGeom prst="rect">
             <a:avLst/>
@@ -9122,7 +8939,7 @@
               <a:rPr lang="zh-CN" altLang="en-US" sz="2400" b="1">
                 <a:sym typeface="+mn-ea"/>
               </a:rPr>
-              <a:t>② 帧跳跃  如图</a:t>
+              <a:t>④扩张规则</a:t>
             </a:r>
             <a:endParaRPr lang="zh-CN" altLang="en-US" sz="2400" b="1">
               <a:sym typeface="+mn-ea"/>
@@ -9133,32 +8950,201 @@
               <a:rPr lang="zh-CN" altLang="en-US" sz="2400" b="1">
                 <a:sym typeface="+mn-ea"/>
               </a:rPr>
-              <a:t>作者没有证明这样做的好处，但可以想象，计算量减少了（有可能丢失准确度</a:t>
+              <a:t>点</a:t>
+            </a:r>
+            <a:r>
+              <a:rPr lang="en-US" altLang="en-US" sz="2400" b="1">
+                <a:sym typeface="+mn-ea"/>
+              </a:rPr>
+              <a:t>(i,j)</a:t>
             </a:r>
             <a:r>
               <a:rPr lang="zh-CN" altLang="en-US" sz="2400" b="1">
                 <a:sym typeface="+mn-ea"/>
               </a:rPr>
-              <a:t>）</a:t>
-            </a:r>
-            <a:endParaRPr lang="zh-CN" altLang="en-US" sz="2400" b="1">
-              <a:sym typeface="+mn-ea"/>
-            </a:endParaRPr>
-          </a:p>
-          <a:p>
+              <a:t>是否</a:t>
+            </a:r>
+            <a:r>
+              <a:rPr lang="zh-CN" altLang="zh-CN" sz="2400" b="1">
+                <a:sym typeface="+mn-ea"/>
+              </a:rPr>
+              <a:t>扩张</a:t>
+            </a:r>
+            <a:r>
+              <a:rPr lang="en-US" altLang="zh-CN" sz="2400" b="1">
+                <a:sym typeface="+mn-ea"/>
+              </a:rPr>
+              <a:t>, </a:t>
+            </a:r>
+            <a:r>
+              <a:rPr lang="zh-CN" altLang="zh-CN" sz="2400" b="1">
+                <a:sym typeface="+mn-ea"/>
+              </a:rPr>
+              <a:t>可以取决于</a:t>
+            </a:r>
+            <a:endParaRPr lang="en-US" altLang="zh-CN" sz="2400" b="1">
+              <a:sym typeface="+mn-ea"/>
+            </a:endParaRPr>
+          </a:p>
+          <a:p>
+            <a:endParaRPr lang="en-US" altLang="zh-CN" sz="2400" b="1">
+              <a:sym typeface="+mn-ea"/>
+            </a:endParaRPr>
+          </a:p>
+          <a:p>
+            <a:r>
+              <a:rPr lang="zh-CN" altLang="zh-CN" sz="2400" b="1">
+                <a:sym typeface="+mn-ea"/>
+              </a:rPr>
+              <a:t>该路径的（惩罚加和</a:t>
+            </a:r>
+            <a:r>
+              <a:rPr lang="en-US" altLang="zh-CN" sz="2400" b="1">
+                <a:sym typeface="+mn-ea"/>
+              </a:rPr>
+              <a:t>/</a:t>
+            </a:r>
             <a:r>
               <a:rPr lang="zh-CN" altLang="en-US" sz="2400" b="1">
                 <a:sym typeface="+mn-ea"/>
               </a:rPr>
-              <a:t>而且对时间序列的拉伸、压缩容忍比例被限制在 </a:t>
-            </a:r>
-            <a:r>
-              <a:rPr lang="en-US" altLang="en-US" sz="2400" b="1">
-                <a:sym typeface="+mn-ea"/>
-              </a:rPr>
-              <a:t>[1/2 , 2 ]</a:t>
-            </a:r>
-            <a:endParaRPr lang="en-US" altLang="en-US" sz="2400" b="1">
+              <a:t>路径长度）是否</a:t>
+            </a:r>
+            <a:endParaRPr lang="zh-CN" altLang="zh-CN" sz="2400" b="1">
+              <a:sym typeface="+mn-ea"/>
+            </a:endParaRPr>
+          </a:p>
+          <a:p>
+            <a:r>
+              <a:rPr lang="zh-CN" altLang="zh-CN" sz="2400" b="1">
+                <a:sym typeface="+mn-ea"/>
+              </a:rPr>
+              <a:t>小于某阈值</a:t>
+            </a:r>
+            <a:endParaRPr lang="zh-CN" altLang="zh-CN" sz="2400" b="1">
+              <a:sym typeface="+mn-ea"/>
+            </a:endParaRPr>
+          </a:p>
+          <a:p>
+            <a:r>
+              <a:rPr lang="zh-CN" altLang="en-US" sz="2400" b="1">
+                <a:sym typeface="+mn-ea"/>
+              </a:rPr>
+              <a:t>并且</a:t>
+            </a:r>
+            <a:endParaRPr lang="zh-CN" altLang="en-US" sz="2400" b="1">
+              <a:sym typeface="+mn-ea"/>
+            </a:endParaRPr>
+          </a:p>
+          <a:p>
+            <a:r>
+              <a:rPr lang="zh-CN" altLang="zh-CN" sz="2400" b="1">
+                <a:sym typeface="+mn-ea"/>
+              </a:rPr>
+              <a:t>该路径扩张一个点之后 </a:t>
+            </a:r>
+            <a:r>
+              <a:rPr lang="zh-CN" altLang="en-US" sz="2400" b="1">
+                <a:sym typeface="+mn-ea"/>
+              </a:rPr>
+              <a:t>是否</a:t>
+            </a:r>
+            <a:endParaRPr lang="zh-CN" altLang="zh-CN" sz="2400" b="1">
+              <a:sym typeface="+mn-ea"/>
+            </a:endParaRPr>
+          </a:p>
+          <a:p>
+            <a:r>
+              <a:rPr lang="zh-CN" altLang="zh-CN" sz="2400" b="1">
+                <a:sym typeface="+mn-ea"/>
+              </a:rPr>
+              <a:t>（惩罚加和</a:t>
+            </a:r>
+            <a:r>
+              <a:rPr lang="en-US" altLang="zh-CN" sz="2400" b="1">
+                <a:sym typeface="+mn-ea"/>
+              </a:rPr>
+              <a:t>/</a:t>
+            </a:r>
+            <a:r>
+              <a:rPr lang="zh-CN" altLang="en-US" sz="2400" b="1">
+                <a:sym typeface="+mn-ea"/>
+              </a:rPr>
+              <a:t>路径长度） 变得更小了</a:t>
+            </a:r>
+            <a:endParaRPr lang="zh-CN" altLang="en-US" sz="2400"/>
+          </a:p>
+          <a:p>
+            <a:endParaRPr lang="zh-CN" altLang="en-US" sz="2400" b="1">
+              <a:sym typeface="+mn-ea"/>
+            </a:endParaRPr>
+          </a:p>
+          <a:p>
+            <a:r>
+              <a:rPr lang="zh-CN" altLang="en-US" sz="2400" b="1">
+                <a:sym typeface="+mn-ea"/>
+              </a:rPr>
+              <a:t>注：文中是</a:t>
+            </a:r>
+            <a:r>
+              <a:rPr lang="en-US" altLang="zh-CN" sz="2400" b="1">
+                <a:sym typeface="+mn-ea"/>
+              </a:rPr>
+              <a:t>“</a:t>
+            </a:r>
+            <a:r>
+              <a:rPr lang="zh-CN" altLang="en-US" sz="2400" b="1">
+                <a:sym typeface="+mn-ea"/>
+              </a:rPr>
+              <a:t>得分</a:t>
+            </a:r>
+            <a:r>
+              <a:rPr lang="en-US" altLang="zh-CN" sz="2400" b="1">
+                <a:sym typeface="+mn-ea"/>
+              </a:rPr>
+              <a:t>”</a:t>
+            </a:r>
+            <a:r>
+              <a:rPr lang="zh-CN" altLang="en-US" sz="2400" b="1">
+                <a:sym typeface="+mn-ea"/>
+              </a:rPr>
+              <a:t>而不是</a:t>
+            </a:r>
+            <a:r>
+              <a:rPr lang="en-US" altLang="zh-CN" sz="2400" b="1">
+                <a:sym typeface="+mn-ea"/>
+              </a:rPr>
+              <a:t>“</a:t>
+            </a:r>
+            <a:r>
+              <a:rPr lang="zh-CN" altLang="en-US" sz="2400" b="1">
+                <a:sym typeface="+mn-ea"/>
+              </a:rPr>
+              <a:t>惩罚</a:t>
+            </a:r>
+            <a:r>
+              <a:rPr lang="en-US" altLang="zh-CN" sz="2400" b="1">
+                <a:sym typeface="+mn-ea"/>
+              </a:rPr>
+              <a:t>”</a:t>
+            </a:r>
+            <a:endParaRPr lang="en-US" altLang="zh-CN" sz="2400" b="1">
+              <a:sym typeface="+mn-ea"/>
+            </a:endParaRPr>
+          </a:p>
+          <a:p>
+            <a:r>
+              <a:rPr lang="zh-CN" altLang="en-US" sz="2400" b="1">
+                <a:sym typeface="+mn-ea"/>
+              </a:rPr>
+              <a:t>所以大小于号是反地</a:t>
+            </a:r>
+            <a:endParaRPr lang="zh-CN" altLang="en-US" sz="2400" b="1">
+              <a:sym typeface="+mn-ea"/>
+            </a:endParaRPr>
+          </a:p>
+          <a:p>
+            <a:endParaRPr lang="zh-CN" altLang="en-US" sz="2400" b="1">
               <a:sym typeface="+mn-ea"/>
             </a:endParaRPr>
           </a:p>
@@ -9179,7 +9165,7 @@
       </p:sp>
       <p:pic>
         <p:nvPicPr>
-          <p:cNvPr id="2" name="图片 1"/>
+          <p:cNvPr id="10" name="图片 9"/>
           <p:cNvPicPr>
             <a:picLocks noChangeAspect="1"/>
           </p:cNvPicPr>
@@ -9193,32 +9179,8 @@
         </p:blipFill>
         <p:spPr>
           <a:xfrm>
-            <a:off x="7309485" y="3570605"/>
-            <a:ext cx="4650740" cy="3018155"/>
-          </a:xfrm>
-          <a:prstGeom prst="rect">
-            <a:avLst/>
-          </a:prstGeom>
-        </p:spPr>
-      </p:pic>
-      <p:pic>
-        <p:nvPicPr>
-          <p:cNvPr id="5" name="图片 4"/>
-          <p:cNvPicPr>
-            <a:picLocks noChangeAspect="1"/>
-          </p:cNvPicPr>
-          <p:nvPr/>
-        </p:nvPicPr>
-        <p:blipFill>
-          <a:blip r:embed="rId2"/>
-          <a:stretch>
-            <a:fillRect/>
-          </a:stretch>
-        </p:blipFill>
-        <p:spPr>
-          <a:xfrm>
-            <a:off x="621665" y="3524250"/>
-            <a:ext cx="4647565" cy="2894965"/>
+            <a:off x="5379085" y="54610"/>
+            <a:ext cx="6735445" cy="6749415"/>
           </a:xfrm>
           <a:prstGeom prst="rect">
             <a:avLst/>
@@ -9417,7 +9379,7 @@
         <p:spPr>
           <a:xfrm>
             <a:off x="154305" y="1678305"/>
-            <a:ext cx="11299190" cy="6015990"/>
+            <a:ext cx="11299190" cy="3799840"/>
           </a:xfrm>
           <a:prstGeom prst="rect">
             <a:avLst/>
@@ -9449,8 +9411,18 @@
               <a:rPr lang="zh-CN" altLang="en-US" sz="2400" b="1">
                 <a:sym typeface="+mn-ea"/>
               </a:rPr>
-              <a:t>④扩张规则</a:t>
-            </a:r>
+              <a:t>⑤结果展示</a:t>
+            </a:r>
+            <a:endParaRPr lang="zh-CN" altLang="en-US" sz="2400" b="1">
+              <a:sym typeface="+mn-ea"/>
+            </a:endParaRPr>
+          </a:p>
+          <a:p>
+            <a:endParaRPr lang="zh-CN" altLang="en-US" sz="2400" b="1">
+              <a:sym typeface="+mn-ea"/>
+            </a:endParaRPr>
+          </a:p>
+          <a:p>
             <a:endParaRPr lang="zh-CN" altLang="en-US" sz="2400" b="1">
               <a:sym typeface="+mn-ea"/>
             </a:endParaRPr>
@@ -9460,84 +9432,31 @@
               <a:rPr lang="zh-CN" altLang="en-US" sz="2400" b="1">
                 <a:sym typeface="+mn-ea"/>
               </a:rPr>
-              <a:t>点</a:t>
-            </a:r>
-            <a:r>
-              <a:rPr lang="en-US" altLang="en-US" sz="2400" b="1">
-                <a:sym typeface="+mn-ea"/>
-              </a:rPr>
-              <a:t>(i,j)</a:t>
-            </a:r>
+              <a:t>Light and dark grey areas </a:t>
+            </a:r>
+            <a:endParaRPr lang="zh-CN" altLang="en-US" sz="2400" b="1">
+              <a:sym typeface="+mn-ea"/>
+            </a:endParaRPr>
+          </a:p>
+          <a:p>
             <a:r>
               <a:rPr lang="zh-CN" altLang="en-US" sz="2400" b="1">
                 <a:sym typeface="+mn-ea"/>
               </a:rPr>
-              <a:t>是否</a:t>
-            </a:r>
-            <a:r>
-              <a:rPr lang="zh-CN" altLang="zh-CN" sz="2400" b="1">
-                <a:sym typeface="+mn-ea"/>
-              </a:rPr>
-              <a:t>扩张</a:t>
-            </a:r>
-            <a:r>
-              <a:rPr lang="en-US" altLang="zh-CN" sz="2400" b="1">
-                <a:sym typeface="+mn-ea"/>
-              </a:rPr>
-              <a:t>, </a:t>
-            </a:r>
-            <a:r>
-              <a:rPr lang="zh-CN" altLang="zh-CN" sz="2400" b="1">
-                <a:sym typeface="+mn-ea"/>
-              </a:rPr>
-              <a:t>可以取决于</a:t>
-            </a:r>
-            <a:endParaRPr lang="en-US" altLang="zh-CN" sz="2400" b="1">
-              <a:sym typeface="+mn-ea"/>
-            </a:endParaRPr>
-          </a:p>
-          <a:p>
-            <a:endParaRPr lang="en-US" altLang="zh-CN" sz="2400" b="1">
-              <a:sym typeface="+mn-ea"/>
-            </a:endParaRPr>
-          </a:p>
-          <a:p>
-            <a:r>
-              <a:rPr lang="zh-CN" altLang="zh-CN" sz="2400" b="1">
-                <a:sym typeface="+mn-ea"/>
-              </a:rPr>
-              <a:t>该路径的（</a:t>
-            </a:r>
-            <a:r>
-              <a:rPr lang="zh-CN" altLang="zh-CN" sz="2400" b="1">
-                <a:sym typeface="+mn-ea"/>
-              </a:rPr>
-              <a:t>惩罚加和</a:t>
-            </a:r>
-            <a:r>
-              <a:rPr lang="en-US" altLang="zh-CN" sz="2400" b="1">
-                <a:sym typeface="+mn-ea"/>
-              </a:rPr>
-              <a:t>/</a:t>
-            </a:r>
+              <a:t>indicate locations where the similarities</a:t>
+            </a:r>
+            <a:endParaRPr lang="zh-CN" altLang="en-US" sz="2400" b="1">
+              <a:sym typeface="+mn-ea"/>
+            </a:endParaRPr>
+          </a:p>
+          <a:p>
             <a:r>
               <a:rPr lang="zh-CN" altLang="en-US" sz="2400" b="1">
                 <a:sym typeface="+mn-ea"/>
               </a:rPr>
-              <a:t>路径长度）是否</a:t>
-            </a:r>
-            <a:endParaRPr lang="zh-CN" altLang="zh-CN" sz="2400" b="1">
-              <a:sym typeface="+mn-ea"/>
-            </a:endParaRPr>
-          </a:p>
-          <a:p>
-            <a:r>
-              <a:rPr lang="zh-CN" altLang="zh-CN" sz="2400" b="1">
-                <a:sym typeface="+mn-ea"/>
-              </a:rPr>
-              <a:t>小于某阈值</a:t>
-            </a:r>
-            <a:endParaRPr lang="zh-CN" altLang="zh-CN" sz="2400" b="1">
+              <a:t>have been computed for the </a:t>
+            </a:r>
+            <a:endParaRPr lang="zh-CN" altLang="en-US" sz="2400" b="1">
               <a:sym typeface="+mn-ea"/>
             </a:endParaRPr>
           </a:p>
@@ -9546,130 +9465,19 @@
               <a:rPr lang="zh-CN" altLang="en-US" sz="2400" b="1">
                 <a:sym typeface="+mn-ea"/>
               </a:rPr>
-              <a:t>并且</a:t>
-            </a:r>
-            <a:endParaRPr lang="zh-CN" altLang="en-US" sz="2400" b="1">
-              <a:sym typeface="+mn-ea"/>
-            </a:endParaRPr>
-          </a:p>
-          <a:p>
-            <a:r>
-              <a:rPr lang="zh-CN" altLang="zh-CN" sz="2400" b="1">
-                <a:sym typeface="+mn-ea"/>
-              </a:rPr>
-              <a:t>该路径扩张一个点之后 </a:t>
-            </a:r>
+              <a:t>forward and backward step algorithms</a:t>
+            </a:r>
+            <a:endParaRPr lang="zh-CN" altLang="en-US" sz="2400" b="1">
+              <a:sym typeface="+mn-ea"/>
+            </a:endParaRPr>
+          </a:p>
+          <a:p>
             <a:r>
               <a:rPr lang="zh-CN" altLang="en-US" sz="2400" b="1">
                 <a:sym typeface="+mn-ea"/>
               </a:rPr>
-              <a:t>是否</a:t>
-            </a:r>
-            <a:endParaRPr lang="zh-CN" altLang="zh-CN" sz="2400" b="1">
-              <a:sym typeface="+mn-ea"/>
-            </a:endParaRPr>
-          </a:p>
-          <a:p>
-            <a:r>
-              <a:rPr lang="zh-CN" altLang="zh-CN" sz="2400" b="1">
-                <a:sym typeface="+mn-ea"/>
-              </a:rPr>
-              <a:t>（惩罚加和</a:t>
-            </a:r>
-            <a:r>
-              <a:rPr lang="en-US" altLang="zh-CN" sz="2400" b="1">
-                <a:sym typeface="+mn-ea"/>
-              </a:rPr>
-              <a:t>/</a:t>
-            </a:r>
-            <a:r>
-              <a:rPr lang="zh-CN" altLang="en-US" sz="2400" b="1">
-                <a:sym typeface="+mn-ea"/>
-              </a:rPr>
-              <a:t>路径长度） 变得更小了</a:t>
-            </a:r>
-            <a:endParaRPr lang="zh-CN" altLang="en-US" sz="2400"/>
-          </a:p>
-          <a:p>
-            <a:endParaRPr lang="zh-CN" altLang="en-US" sz="2400" b="1">
-              <a:sym typeface="+mn-ea"/>
-            </a:endParaRPr>
-          </a:p>
-          <a:p>
-            <a:r>
-              <a:rPr lang="zh-CN" altLang="en-US" sz="2400" b="1">
-                <a:sym typeface="+mn-ea"/>
-              </a:rPr>
-              <a:t>注：文中是</a:t>
-            </a:r>
-            <a:r>
-              <a:rPr lang="en-US" altLang="zh-CN" sz="2400" b="1">
-                <a:sym typeface="+mn-ea"/>
-              </a:rPr>
-              <a:t>“</a:t>
-            </a:r>
-            <a:r>
-              <a:rPr lang="zh-CN" altLang="en-US" sz="2400" b="1">
-                <a:sym typeface="+mn-ea"/>
-              </a:rPr>
-              <a:t>得分</a:t>
-            </a:r>
-            <a:r>
-              <a:rPr lang="en-US" altLang="zh-CN" sz="2400" b="1">
-                <a:sym typeface="+mn-ea"/>
-              </a:rPr>
-              <a:t>”</a:t>
-            </a:r>
-            <a:r>
-              <a:rPr lang="zh-CN" altLang="en-US" sz="2400" b="1">
-                <a:sym typeface="+mn-ea"/>
-              </a:rPr>
-              <a:t>而不是</a:t>
-            </a:r>
-            <a:r>
-              <a:rPr lang="en-US" altLang="zh-CN" sz="2400" b="1">
-                <a:sym typeface="+mn-ea"/>
-              </a:rPr>
-              <a:t>“</a:t>
-            </a:r>
-            <a:r>
-              <a:rPr lang="zh-CN" altLang="en-US" sz="2400" b="1">
-                <a:sym typeface="+mn-ea"/>
-              </a:rPr>
-              <a:t>惩罚</a:t>
-            </a:r>
-            <a:r>
-              <a:rPr lang="en-US" altLang="zh-CN" sz="2400" b="1">
-                <a:sym typeface="+mn-ea"/>
-              </a:rPr>
-              <a:t>”</a:t>
-            </a:r>
-            <a:endParaRPr lang="en-US" altLang="zh-CN" sz="2400" b="1">
-              <a:sym typeface="+mn-ea"/>
-            </a:endParaRPr>
-          </a:p>
-          <a:p>
-            <a:r>
-              <a:rPr lang="zh-CN" altLang="en-US" sz="2400" b="1">
-                <a:sym typeface="+mn-ea"/>
-              </a:rPr>
-              <a:t>所以大小于号是反地</a:t>
-            </a:r>
-            <a:endParaRPr lang="zh-CN" altLang="en-US" sz="2400" b="1">
-              <a:sym typeface="+mn-ea"/>
-            </a:endParaRPr>
-          </a:p>
-          <a:p>
-            <a:endParaRPr lang="zh-CN" altLang="en-US" sz="2400" b="1">
-              <a:sym typeface="+mn-ea"/>
-            </a:endParaRPr>
-          </a:p>
-          <a:p>
-            <a:endParaRPr lang="zh-CN" altLang="en-US" sz="2400" b="1">
-              <a:sym typeface="+mn-ea"/>
-            </a:endParaRPr>
-          </a:p>
-          <a:p>
+              <a:t>respectively, in addition to the SP points.</a:t>
+            </a:r>
             <a:endParaRPr lang="zh-CN" altLang="en-US" sz="2400" b="1">
               <a:sym typeface="+mn-ea"/>
             </a:endParaRPr>
@@ -9681,7 +9489,7 @@
       </p:sp>
       <p:pic>
         <p:nvPicPr>
-          <p:cNvPr id="10" name="图片 9"/>
+          <p:cNvPr id="2" name="图片 1"/>
           <p:cNvPicPr>
             <a:picLocks noChangeAspect="1"/>
           </p:cNvPicPr>
@@ -9695,8 +9503,8 @@
         </p:blipFill>
         <p:spPr>
           <a:xfrm>
-            <a:off x="5379085" y="54610"/>
-            <a:ext cx="6735445" cy="6749415"/>
+            <a:off x="5566410" y="1399540"/>
+            <a:ext cx="6582410" cy="5482590"/>
           </a:xfrm>
           <a:prstGeom prst="rect">
             <a:avLst/>
@@ -9807,7 +9615,7 @@
           <a:p>
             <a:pPr eaLnBrk="1" hangingPunct="1"/>
             <a:r>
-              <a:rPr lang="en-US" altLang="zh-CN" i="1" dirty="0" smtClean="0">
+              <a:rPr lang="zh-CN" altLang="en-US" sz="4400" i="1" dirty="0" smtClean="0">
                 <a:solidFill>
                   <a:srgbClr val="F2F2F2"/>
                 </a:solidFill>
@@ -9815,9 +9623,9 @@
                 <a:ea typeface="微软雅黑" panose="020B0503020204020204" pitchFamily="34" charset="-122"/>
                 <a:sym typeface="+mn-ea"/>
               </a:rPr>
-              <a:t>3.Unbounded DTW</a:t>
-            </a:r>
-            <a:endParaRPr lang="en-US" altLang="zh-CN" i="1" dirty="0" smtClean="0">
+              <a:t>参考资料</a:t>
+            </a:r>
+            <a:endParaRPr lang="zh-CN" altLang="en-US" sz="4400" i="1" dirty="0" smtClean="0">
               <a:solidFill>
                 <a:srgbClr val="F2F2F2"/>
               </a:solidFill>
@@ -9830,14 +9638,14 @@
       </p:sp>
       <p:sp>
         <p:nvSpPr>
-          <p:cNvPr id="3" name="文本框 2"/>
+          <p:cNvPr id="2" name="文本框 1"/>
           <p:cNvSpPr txBox="1"/>
           <p:nvPr/>
         </p:nvSpPr>
         <p:spPr>
           <a:xfrm>
-            <a:off x="1106805" y="1732280"/>
-            <a:ext cx="6648450" cy="106680"/>
+            <a:off x="141605" y="1761490"/>
+            <a:ext cx="12192635" cy="2245360"/>
           </a:xfrm>
           <a:prstGeom prst="rect">
             <a:avLst/>
@@ -9845,188 +9653,77 @@
           <a:noFill/>
         </p:spPr>
         <p:txBody>
-          <a:bodyPr wrap="square" rtlCol="0">
+          <a:bodyPr wrap="square" rtlCol="0" anchor="t">
             <a:spAutoFit/>
           </a:bodyPr>
           <a:p>
             <a:r>
-              <a:rPr lang="zh-CN" altLang="zh-CN" sz="100"/>
-              <a:t>：</a:t>
-            </a:r>
-            <a:endParaRPr lang="zh-CN" altLang="zh-CN" sz="100"/>
-          </a:p>
-        </p:txBody>
-      </p:sp>
-      <p:sp>
-        <p:nvSpPr>
-          <p:cNvPr id="9" name="文本框 8"/>
-          <p:cNvSpPr txBox="1"/>
-          <p:nvPr/>
-        </p:nvSpPr>
-        <p:spPr>
-          <a:xfrm>
-            <a:off x="1106805" y="1732280"/>
-            <a:ext cx="6648450" cy="106680"/>
-          </a:xfrm>
-          <a:prstGeom prst="rect">
-            <a:avLst/>
-          </a:prstGeom>
-          <a:noFill/>
-        </p:spPr>
-        <p:txBody>
-          <a:bodyPr wrap="square" rtlCol="0">
-            <a:spAutoFit/>
-          </a:bodyPr>
-          <a:p>
-            <a:r>
-              <a:rPr lang="zh-CN" altLang="zh-CN" sz="100"/>
-              <a:t>是：</a:t>
-            </a:r>
-            <a:endParaRPr lang="zh-CN" altLang="zh-CN" sz="100"/>
-          </a:p>
-        </p:txBody>
-      </p:sp>
-      <p:sp>
-        <p:nvSpPr>
-          <p:cNvPr id="11" name="文本框 10"/>
-          <p:cNvSpPr txBox="1"/>
-          <p:nvPr/>
-        </p:nvSpPr>
-        <p:spPr>
-          <a:xfrm>
-            <a:off x="154305" y="1678305"/>
-            <a:ext cx="11299190" cy="3799840"/>
-          </a:xfrm>
-          <a:prstGeom prst="rect">
-            <a:avLst/>
-          </a:prstGeom>
-          <a:noFill/>
-        </p:spPr>
-        <p:txBody>
-          <a:bodyPr wrap="square" rtlCol="0">
-            <a:spAutoFit/>
-          </a:bodyPr>
-          <a:p>
-            <a:r>
-              <a:rPr lang="zh-CN" altLang="en-US" sz="2400" b="1">
-                <a:sym typeface="+mn-ea"/>
-              </a:rPr>
-              <a:t>Unbounded DTW 细枝末节：</a:t>
-            </a:r>
-            <a:endParaRPr lang="zh-CN" altLang="en-US" sz="2400" b="1">
-              <a:sym typeface="+mn-ea"/>
-            </a:endParaRPr>
-          </a:p>
-          <a:p>
-            <a:endParaRPr lang="zh-CN" altLang="en-US" sz="2400" b="1">
-              <a:sym typeface="+mn-ea"/>
-            </a:endParaRPr>
-          </a:p>
-          <a:p>
-            <a:r>
-              <a:rPr lang="zh-CN" altLang="en-US" sz="2400" b="1">
-                <a:sym typeface="+mn-ea"/>
-              </a:rPr>
-              <a:t>⑤结果展示</a:t>
-            </a:r>
-            <a:endParaRPr lang="zh-CN" altLang="en-US" sz="2400" b="1">
-              <a:sym typeface="+mn-ea"/>
-            </a:endParaRPr>
-          </a:p>
-          <a:p>
-            <a:endParaRPr lang="zh-CN" altLang="en-US" sz="2400" b="1">
-              <a:sym typeface="+mn-ea"/>
-            </a:endParaRPr>
-          </a:p>
-          <a:p>
-            <a:endParaRPr lang="zh-CN" altLang="en-US" sz="2400" b="1">
-              <a:sym typeface="+mn-ea"/>
-            </a:endParaRPr>
-          </a:p>
-          <a:p>
-            <a:r>
-              <a:rPr lang="zh-CN" altLang="en-US" sz="2400" b="1">
-                <a:sym typeface="+mn-ea"/>
-              </a:rPr>
-              <a:t>Light and dark grey areas </a:t>
-            </a:r>
-            <a:endParaRPr lang="zh-CN" altLang="en-US" sz="2400" b="1">
-              <a:sym typeface="+mn-ea"/>
-            </a:endParaRPr>
-          </a:p>
-          <a:p>
-            <a:r>
-              <a:rPr lang="zh-CN" altLang="en-US" sz="2400" b="1">
-                <a:sym typeface="+mn-ea"/>
-              </a:rPr>
-              <a:t>indicate locations where the similarities</a:t>
-            </a:r>
-            <a:endParaRPr lang="zh-CN" altLang="en-US" sz="2400" b="1">
-              <a:sym typeface="+mn-ea"/>
-            </a:endParaRPr>
-          </a:p>
-          <a:p>
-            <a:r>
-              <a:rPr lang="zh-CN" altLang="en-US" sz="2400" b="1">
-                <a:sym typeface="+mn-ea"/>
-              </a:rPr>
-              <a:t>have been computed for the </a:t>
-            </a:r>
-            <a:endParaRPr lang="zh-CN" altLang="en-US" sz="2400" b="1">
-              <a:sym typeface="+mn-ea"/>
-            </a:endParaRPr>
-          </a:p>
-          <a:p>
-            <a:r>
-              <a:rPr lang="zh-CN" altLang="en-US" sz="2400" b="1">
-                <a:sym typeface="+mn-ea"/>
-              </a:rPr>
-              <a:t>forward and backward step algorithms</a:t>
-            </a:r>
-            <a:endParaRPr lang="zh-CN" altLang="en-US" sz="2400" b="1">
-              <a:sym typeface="+mn-ea"/>
-            </a:endParaRPr>
-          </a:p>
-          <a:p>
-            <a:r>
-              <a:rPr lang="zh-CN" altLang="en-US" sz="2400" b="1">
-                <a:sym typeface="+mn-ea"/>
-              </a:rPr>
-              <a:t>respectively, in addition to the SP points.</a:t>
-            </a:r>
-            <a:endParaRPr lang="zh-CN" altLang="en-US" sz="2400" b="1">
-              <a:sym typeface="+mn-ea"/>
-            </a:endParaRPr>
-          </a:p>
-          <a:p>
-            <a:endParaRPr lang="zh-CN" altLang="zh-CN" sz="100"/>
-          </a:p>
-        </p:txBody>
-      </p:sp>
-      <p:pic>
-        <p:nvPicPr>
-          <p:cNvPr id="2" name="图片 1"/>
-          <p:cNvPicPr>
-            <a:picLocks noChangeAspect="1"/>
-          </p:cNvPicPr>
-          <p:nvPr/>
-        </p:nvPicPr>
-        <p:blipFill>
-          <a:blip r:embed="rId1"/>
-          <a:stretch>
-            <a:fillRect/>
-          </a:stretch>
-        </p:blipFill>
-        <p:spPr>
-          <a:xfrm>
-            <a:off x="5566410" y="1399540"/>
-            <a:ext cx="6582410" cy="5482590"/>
-          </a:xfrm>
-          <a:prstGeom prst="rect">
-            <a:avLst/>
-          </a:prstGeom>
-        </p:spPr>
-      </p:pic>
+              <a:rPr lang="en-US" altLang="en-US" sz="2000"/>
+              <a:t>[1]</a:t>
+            </a:r>
+            <a:r>
+              <a:rPr altLang="en-US" sz="2000"/>
+              <a:t>Anguera, Xavier &amp; Macrae, Robert &amp; Oliver, Nuria. (2010).</a:t>
+            </a:r>
+            <a:r>
+              <a:rPr altLang="en-US" sz="2000">
+                <a:solidFill>
+                  <a:srgbClr val="FF0000"/>
+                </a:solidFill>
+              </a:rPr>
+              <a:t> Partial sequence matching using an Unbounded Dynamic Time Warping algorithm</a:t>
+            </a:r>
+            <a:r>
+              <a:rPr altLang="en-US" sz="2000"/>
+              <a:t>. Proceedings of ICASSP. 3582 - 3585. 10.1109/ICASSP.2010.5495917. </a:t>
+            </a:r>
+            <a:endParaRPr altLang="en-US" sz="2000"/>
+          </a:p>
+          <a:p>
+            <a:endParaRPr altLang="en-US" sz="2000"/>
+          </a:p>
+          <a:p>
+            <a:endParaRPr altLang="en-US" sz="2000"/>
+          </a:p>
+          <a:p>
+            <a:r>
+              <a:rPr lang="zh-CN" sz="2000"/>
+              <a:t>其他截图来自我之前的</a:t>
+            </a:r>
+            <a:r>
+              <a:rPr lang="en-US" altLang="zh-CN" sz="2000"/>
+              <a:t>ppt </a:t>
+            </a:r>
+            <a:r>
+              <a:rPr lang="zh-CN" altLang="en-US" sz="2000"/>
+              <a:t>或</a:t>
+            </a:r>
+            <a:r>
+              <a:rPr lang="en-US" altLang="zh-CN" sz="2000"/>
+              <a:t>python</a:t>
+            </a:r>
+            <a:r>
+              <a:rPr lang="zh-CN" altLang="en-US" sz="2000"/>
+              <a:t>绘图</a:t>
+            </a:r>
+            <a:r>
+              <a:rPr lang="en-US" altLang="en-US" sz="2000"/>
+              <a:t>.</a:t>
+            </a:r>
+            <a:endParaRPr lang="en-US" altLang="en-US" sz="2000"/>
+          </a:p>
+          <a:p>
+            <a:endParaRPr lang="en-US" altLang="zh-CN" sz="2000">
+              <a:sym typeface="+mn-ea"/>
+            </a:endParaRPr>
+          </a:p>
+          <a:p>
+            <a:endParaRPr lang="en-US" altLang="zh-CN" sz="2000">
+              <a:sym typeface="+mn-ea"/>
+            </a:endParaRPr>
+          </a:p>
+        </p:txBody>
+      </p:sp>
     </p:spTree>
   </p:cSld>
   <p:clrMapOvr>
@@ -10043,219 +9740,6 @@
 </file>
 
 <file path=ppt/slides/slide23.xml><?xml version="1.0" encoding="utf-8"?>
-<p:sld xmlns:a="http://schemas.openxmlformats.org/drawingml/2006/main" xmlns:r="http://schemas.openxmlformats.org/officeDocument/2006/relationships" xmlns:p="http://schemas.openxmlformats.org/presentationml/2006/main">
-  <p:cSld>
-    <p:spTree>
-      <p:nvGrpSpPr>
-        <p:cNvPr id="1" name=""/>
-        <p:cNvGrpSpPr/>
-        <p:nvPr/>
-      </p:nvGrpSpPr>
-      <p:grpSpPr>
-        <a:xfrm>
-          <a:off x="0" y="0"/>
-          <a:ext cx="0" cy="0"/>
-          <a:chOff x="0" y="0"/>
-          <a:chExt cx="0" cy="0"/>
-        </a:xfrm>
-      </p:grpSpPr>
-      <p:sp>
-        <p:nvSpPr>
-          <p:cNvPr id="4" name="矩形 3"/>
-          <p:cNvSpPr/>
-          <p:nvPr/>
-        </p:nvSpPr>
-        <p:spPr>
-          <a:xfrm>
-            <a:off x="-3175" y="465138"/>
-            <a:ext cx="12198350" cy="1058862"/>
-          </a:xfrm>
-          <a:prstGeom prst="rect">
-            <a:avLst/>
-          </a:prstGeom>
-          <a:solidFill>
-            <a:schemeClr val="accent1">
-              <a:lumMod val="50000"/>
-            </a:schemeClr>
-          </a:solidFill>
-          <a:ln>
-            <a:noFill/>
-          </a:ln>
-        </p:spPr>
-        <p:style>
-          <a:lnRef idx="2">
-            <a:schemeClr val="accent1">
-              <a:shade val="50000"/>
-            </a:schemeClr>
-          </a:lnRef>
-          <a:fillRef idx="1">
-            <a:schemeClr val="accent1"/>
-          </a:fillRef>
-          <a:effectRef idx="0">
-            <a:schemeClr val="accent1"/>
-          </a:effectRef>
-          <a:fontRef idx="minor">
-            <a:schemeClr val="lt1"/>
-          </a:fontRef>
-        </p:style>
-        <p:txBody>
-          <a:bodyPr anchor="ctr"/>
-          <a:lstStyle/>
-          <a:p>
-            <a:pPr algn="ctr" fontAlgn="auto">
-              <a:defRPr/>
-            </a:pPr>
-            <a:endParaRPr lang="zh-CN" altLang="en-US" noProof="1"/>
-          </a:p>
-        </p:txBody>
-      </p:sp>
-      <p:sp>
-        <p:nvSpPr>
-          <p:cNvPr id="4101" name="标题 1"/>
-          <p:cNvSpPr>
-            <a:spLocks noGrp="1" noChangeArrowheads="1"/>
-          </p:cNvSpPr>
-          <p:nvPr>
-            <p:ph type="title"/>
-          </p:nvPr>
-        </p:nvSpPr>
-        <p:spPr>
-          <a:xfrm>
-            <a:off x="546100" y="406400"/>
-            <a:ext cx="10515600" cy="1325563"/>
-          </a:xfrm>
-        </p:spPr>
-        <p:txBody>
-          <a:bodyPr/>
-          <a:lstStyle/>
-          <a:p>
-            <a:pPr eaLnBrk="1" hangingPunct="1"/>
-            <a:r>
-              <a:rPr lang="zh-CN" altLang="en-US" sz="4400" i="1" dirty="0" smtClean="0">
-                <a:solidFill>
-                  <a:srgbClr val="F2F2F2"/>
-                </a:solidFill>
-                <a:latin typeface="Times New Roman" panose="02020603050405020304" pitchFamily="18" charset="0"/>
-                <a:ea typeface="微软雅黑" panose="020B0503020204020204" pitchFamily="34" charset="-122"/>
-                <a:sym typeface="+mn-ea"/>
-              </a:rPr>
-              <a:t>参考资料</a:t>
-            </a:r>
-            <a:endParaRPr lang="zh-CN" altLang="en-US" sz="4400" i="1" dirty="0" smtClean="0">
-              <a:solidFill>
-                <a:srgbClr val="F2F2F2"/>
-              </a:solidFill>
-              <a:latin typeface="Times New Roman" panose="02020603050405020304" pitchFamily="18" charset="0"/>
-              <a:ea typeface="微软雅黑" panose="020B0503020204020204" pitchFamily="34" charset="-122"/>
-              <a:sym typeface="+mn-ea"/>
-            </a:endParaRPr>
-          </a:p>
-        </p:txBody>
-      </p:sp>
-      <p:sp>
-        <p:nvSpPr>
-          <p:cNvPr id="2" name="文本框 1"/>
-          <p:cNvSpPr txBox="1"/>
-          <p:nvPr/>
-        </p:nvSpPr>
-        <p:spPr>
-          <a:xfrm>
-            <a:off x="141605" y="1761490"/>
-            <a:ext cx="12192635" cy="2245360"/>
-          </a:xfrm>
-          <a:prstGeom prst="rect">
-            <a:avLst/>
-          </a:prstGeom>
-          <a:noFill/>
-        </p:spPr>
-        <p:txBody>
-          <a:bodyPr wrap="square" rtlCol="0" anchor="t">
-            <a:spAutoFit/>
-          </a:bodyPr>
-          <a:p>
-            <a:r>
-              <a:rPr lang="en-US" altLang="en-US" sz="2000"/>
-              <a:t>[1]</a:t>
-            </a:r>
-            <a:r>
-              <a:rPr altLang="en-US" sz="2000"/>
-              <a:t>Anguera, Xavier &amp; Macrae, Robert &amp; Oliver, Nuria. (2010).</a:t>
-            </a:r>
-            <a:r>
-              <a:rPr altLang="en-US" sz="2000">
-                <a:solidFill>
-                  <a:srgbClr val="FF0000"/>
-                </a:solidFill>
-              </a:rPr>
-              <a:t> Partial sequence matching using an Unbounded Dynamic Time Warping algorithm</a:t>
-            </a:r>
-            <a:r>
-              <a:rPr altLang="en-US" sz="2000"/>
-              <a:t>. Proceedings of ICASSP. 3582 - 3585. 10.1109/ICASSP.2010.5495917. </a:t>
-            </a:r>
-            <a:endParaRPr altLang="en-US" sz="2000"/>
-          </a:p>
-          <a:p>
-            <a:endParaRPr altLang="en-US" sz="2000"/>
-          </a:p>
-          <a:p>
-            <a:endParaRPr altLang="en-US" sz="2000"/>
-          </a:p>
-          <a:p>
-            <a:r>
-              <a:rPr lang="zh-CN" sz="2000"/>
-              <a:t>其他截图来自我之前的</a:t>
-            </a:r>
-            <a:r>
-              <a:rPr lang="en-US" altLang="zh-CN" sz="2000"/>
-              <a:t>ppt </a:t>
-            </a:r>
-            <a:r>
-              <a:rPr lang="zh-CN" altLang="en-US" sz="2000"/>
-              <a:t>或</a:t>
-            </a:r>
-            <a:r>
-              <a:rPr lang="en-US" altLang="zh-CN" sz="2000"/>
-              <a:t>python</a:t>
-            </a:r>
-            <a:r>
-              <a:rPr lang="zh-CN" altLang="en-US" sz="2000"/>
-              <a:t>绘图</a:t>
-            </a:r>
-            <a:r>
-              <a:rPr lang="en-US" altLang="en-US" sz="2000"/>
-              <a:t>.</a:t>
-            </a:r>
-            <a:endParaRPr lang="en-US" altLang="en-US" sz="2000"/>
-          </a:p>
-          <a:p>
-            <a:endParaRPr lang="en-US" altLang="zh-CN" sz="2000">
-              <a:sym typeface="+mn-ea"/>
-            </a:endParaRPr>
-          </a:p>
-          <a:p>
-            <a:endParaRPr lang="en-US" altLang="zh-CN" sz="2000">
-              <a:sym typeface="+mn-ea"/>
-            </a:endParaRPr>
-          </a:p>
-        </p:txBody>
-      </p:sp>
-    </p:spTree>
-  </p:cSld>
-  <p:clrMapOvr>
-    <a:masterClrMapping/>
-  </p:clrMapOvr>
-  <p:timing>
-    <p:tnLst>
-      <p:par>
-        <p:cTn id="1" dur="indefinite" restart="never" nodeType="tmRoot"/>
-      </p:par>
-    </p:tnLst>
-  </p:timing>
-</p:sld>
-</file>
-
-<file path=ppt/slides/slide24.xml><?xml version="1.0" encoding="utf-8"?>
 <p:sld xmlns:a="http://schemas.openxmlformats.org/drawingml/2006/main" xmlns:r="http://schemas.openxmlformats.org/officeDocument/2006/relationships" xmlns:p="http://schemas.openxmlformats.org/presentationml/2006/main">
   <p:cSld>
     <p:spTree>
@@ -10637,18 +10121,7 @@
                 <a:ea typeface="微软雅黑" panose="020B0503020204020204" pitchFamily="34" charset="-122"/>
                 <a:sym typeface="+mn-ea"/>
               </a:rPr>
-              <a:t>1.</a:t>
-            </a:r>
-            <a:r>
-              <a:rPr lang="en-US" altLang="zh-CN" i="1" dirty="0" smtClean="0">
-                <a:solidFill>
-                  <a:srgbClr val="F2F2F2"/>
-                </a:solidFill>
-                <a:latin typeface="Times New Roman" panose="02020603050405020304" pitchFamily="18" charset="0"/>
-                <a:ea typeface="微软雅黑" panose="020B0503020204020204" pitchFamily="34" charset="-122"/>
-                <a:sym typeface="+mn-ea"/>
-              </a:rPr>
-              <a:t>简单回顾时间序列的 ED、DTW距离</a:t>
+              <a:t>1.简单回顾时间序列的 ED、DTW距离</a:t>
             </a:r>
             <a:endParaRPr lang="en-US" altLang="zh-CN" i="1" dirty="0" smtClean="0">
               <a:solidFill>
@@ -11166,65 +10639,53 @@
               <a:rPr lang="zh-CN" altLang="en-US" sz="2000" b="1">
                 <a:sym typeface="+mn-ea"/>
               </a:rPr>
-              <a:t>下图</a:t>
+              <a:t>下图为 欧式距离（</a:t>
+            </a:r>
+            <a:r>
+              <a:rPr lang="en-US" altLang="zh-CN" sz="2000" b="1">
+                <a:sym typeface="+mn-ea"/>
+              </a:rPr>
+              <a:t>ED</a:t>
             </a:r>
             <a:r>
               <a:rPr lang="zh-CN" altLang="en-US" sz="2000" b="1">
                 <a:sym typeface="+mn-ea"/>
               </a:rPr>
-              <a:t>为 欧式距离（</a:t>
+              <a:t>），  </a:t>
             </a:r>
             <a:r>
               <a:rPr lang="en-US" altLang="zh-CN" sz="2000" b="1">
                 <a:sym typeface="+mn-ea"/>
               </a:rPr>
-              <a:t>ED</a:t>
-            </a:r>
+              <a:t>distance(X,Y) = dis(X[1],Y[1]) + dis(X[2],Y[2]) + ... + dis(X[n],Y[n])</a:t>
+            </a:r>
+            <a:endParaRPr lang="en-US" altLang="zh-CN" sz="2000" b="1">
+              <a:sym typeface="+mn-ea"/>
+            </a:endParaRPr>
+          </a:p>
+          <a:p>
+            <a:endParaRPr lang="en-US" altLang="zh-CN" sz="2000" b="1">
+              <a:sym typeface="+mn-ea"/>
+            </a:endParaRPr>
+          </a:p>
+          <a:p>
             <a:r>
               <a:rPr lang="zh-CN" altLang="en-US" sz="2000" b="1">
                 <a:sym typeface="+mn-ea"/>
               </a:rPr>
-              <a:t>），  </a:t>
+              <a:t>其中</a:t>
             </a:r>
             <a:r>
               <a:rPr lang="en-US" altLang="zh-CN" sz="2000" b="1">
                 <a:sym typeface="+mn-ea"/>
               </a:rPr>
-              <a:t>distance(X,Y) = dis(X[1],Y[1]) + dis(X[2],Y[2]) + ... + dis(X[n],Y[n])</a:t>
-            </a:r>
-            <a:endParaRPr lang="en-US" altLang="zh-CN" sz="2000" b="1">
-              <a:sym typeface="+mn-ea"/>
-            </a:endParaRPr>
-          </a:p>
-          <a:p>
-            <a:endParaRPr lang="en-US" altLang="zh-CN" sz="2000" b="1">
-              <a:sym typeface="+mn-ea"/>
-            </a:endParaRPr>
-          </a:p>
-          <a:p>
+              <a:t>dis</a:t>
+            </a:r>
             <a:r>
               <a:rPr lang="zh-CN" altLang="en-US" sz="2000" b="1">
                 <a:sym typeface="+mn-ea"/>
               </a:rPr>
-              <a:t>其中</a:t>
-            </a:r>
-            <a:r>
-              <a:rPr lang="en-US" altLang="zh-CN" sz="2000" b="1">
-                <a:sym typeface="+mn-ea"/>
-              </a:rPr>
-              <a:t>dis</a:t>
-            </a:r>
-            <a:r>
-              <a:rPr lang="zh-CN" altLang="en-US" sz="2000" b="1">
-                <a:sym typeface="+mn-ea"/>
-              </a:rPr>
-              <a:t>可以是标准差、方差、向量内积的倒数</a:t>
-            </a:r>
-            <a:r>
-              <a:rPr lang="zh-CN" altLang="en-US" sz="2000" b="1">
-                <a:sym typeface="+mn-ea"/>
-              </a:rPr>
-              <a:t>、向量</a:t>
+              <a:t>可以是标准差、方差、向量内积的倒数、向量</a:t>
             </a:r>
             <a:r>
               <a:rPr lang="en-US" altLang="zh-CN" sz="2000" b="1">
@@ -12177,18 +11638,7 @@
                 <a:ea typeface="微软雅黑" panose="020B0503020204020204" pitchFamily="34" charset="-122"/>
                 <a:sym typeface="+mn-ea"/>
               </a:rPr>
-              <a:t>2.</a:t>
-            </a:r>
-            <a:r>
-              <a:rPr lang="en-US" altLang="zh-CN" i="1" dirty="0" smtClean="0">
-                <a:solidFill>
-                  <a:srgbClr val="F2F2F2"/>
-                </a:solidFill>
-                <a:latin typeface="Times New Roman" panose="02020603050405020304" pitchFamily="18" charset="0"/>
-                <a:ea typeface="微软雅黑" panose="020B0503020204020204" pitchFamily="34" charset="-122"/>
-                <a:sym typeface="+mn-ea"/>
-              </a:rPr>
-              <a:t>.提出问题：两条时间序列无限制匹配</a:t>
+              <a:t>2..提出问题：两条时间序列无限制匹配</a:t>
             </a:r>
             <a:endParaRPr lang="en-US" altLang="zh-CN" i="1" dirty="0" smtClean="0">
               <a:solidFill>
@@ -12284,15 +11734,78 @@
               <a:rPr lang="zh-CN" altLang="en-US" sz="2400" b="1">
                 <a:sym typeface="+mn-ea"/>
               </a:rPr>
-              <a:t>提出问题</a:t>
+              <a:t>提出问题：</a:t>
+            </a:r>
+            <a:endParaRPr lang="zh-CN" altLang="en-US" sz="2400" b="1">
+              <a:sym typeface="+mn-ea"/>
+            </a:endParaRPr>
+          </a:p>
+          <a:p>
+            <a:r>
+              <a:rPr lang="zh-CN" altLang="zh-CN" sz="2400" b="1">
+                <a:sym typeface="+mn-ea"/>
+              </a:rPr>
+              <a:t>语音时间序列</a:t>
+            </a:r>
+            <a:r>
+              <a:rPr lang="en-US" altLang="zh-CN" sz="2400" b="1">
+                <a:sym typeface="+mn-ea"/>
+              </a:rPr>
+              <a:t>X</a:t>
+            </a:r>
+            <a:r>
+              <a:rPr lang="zh-CN" altLang="zh-CN" sz="2400" b="1">
+                <a:sym typeface="+mn-ea"/>
+              </a:rPr>
+              <a:t>： </a:t>
+            </a:r>
+            <a:r>
+              <a:rPr lang="en-US" altLang="zh-CN" sz="2400" b="1">
+                <a:sym typeface="+mn-ea"/>
+              </a:rPr>
+              <a:t>“ I have a pen”</a:t>
+            </a:r>
+            <a:endParaRPr lang="en-US" altLang="zh-CN" sz="2400" b="1">
+              <a:sym typeface="+mn-ea"/>
+            </a:endParaRPr>
+          </a:p>
+          <a:p>
+            <a:r>
+              <a:rPr lang="zh-CN" altLang="zh-CN" sz="2400" b="1">
+                <a:sym typeface="+mn-ea"/>
+              </a:rPr>
+              <a:t>语音时间</a:t>
             </a:r>
             <a:r>
               <a:rPr lang="zh-CN" altLang="en-US" sz="2400" b="1">
                 <a:sym typeface="+mn-ea"/>
               </a:rPr>
-              <a:t>：</a:t>
-            </a:r>
-            <a:endParaRPr lang="zh-CN" altLang="en-US" sz="2400" b="1">
+              <a:t>序列</a:t>
+            </a:r>
+            <a:r>
+              <a:rPr lang="en-US" altLang="zh-CN" sz="2400" b="1">
+                <a:sym typeface="+mn-ea"/>
+              </a:rPr>
+              <a:t>Y</a:t>
+            </a:r>
+            <a:r>
+              <a:rPr lang="zh-CN" altLang="en-US" sz="2400" b="1">
+                <a:sym typeface="+mn-ea"/>
+              </a:rPr>
+              <a:t>： </a:t>
+            </a:r>
+            <a:r>
+              <a:rPr lang="en-US" altLang="zh-CN" sz="2400" b="1">
+                <a:sym typeface="+mn-ea"/>
+              </a:rPr>
+              <a:t>“ You have  an apple”</a:t>
+            </a:r>
+            <a:endParaRPr lang="en-US" altLang="zh-CN" sz="2400" b="1">
+              <a:sym typeface="+mn-ea"/>
+            </a:endParaRPr>
+          </a:p>
+          <a:p>
+            <a:endParaRPr lang="en-US" altLang="zh-CN" sz="2400" b="1">
               <a:sym typeface="+mn-ea"/>
             </a:endParaRPr>
           </a:p>
@@ -12301,195 +11814,102 @@
               <a:rPr lang="zh-CN" altLang="zh-CN" sz="2400" b="1">
                 <a:sym typeface="+mn-ea"/>
               </a:rPr>
-              <a:t>语音时间序列</a:t>
+              <a:t>两个序列都含有 </a:t>
             </a:r>
             <a:r>
               <a:rPr lang="en-US" altLang="zh-CN" sz="2400" b="1">
                 <a:sym typeface="+mn-ea"/>
               </a:rPr>
+              <a:t>have </a:t>
+            </a:r>
+            <a:r>
+              <a:rPr lang="zh-CN" altLang="en-US" sz="2400" b="1">
+                <a:sym typeface="+mn-ea"/>
+              </a:rPr>
+              <a:t>这个发音，这两个小片段应该是相似的，如何发现这一现象？</a:t>
+            </a:r>
+            <a:endParaRPr lang="zh-CN" altLang="en-US" sz="2400" b="1">
+              <a:sym typeface="+mn-ea"/>
+            </a:endParaRPr>
+          </a:p>
+          <a:p>
+            <a:r>
+              <a:rPr lang="zh-CN" altLang="en-US" sz="2400" b="1">
+                <a:sym typeface="+mn-ea"/>
+              </a:rPr>
+              <a:t>毕竟，</a:t>
+            </a:r>
+            <a:r>
+              <a:rPr lang="en-US" altLang="zh-CN" sz="2400" b="1">
+                <a:sym typeface="+mn-ea"/>
+              </a:rPr>
               <a:t>X</a:t>
             </a:r>
             <a:r>
-              <a:rPr lang="zh-CN" altLang="zh-CN" sz="2400" b="1">
-                <a:sym typeface="+mn-ea"/>
-              </a:rPr>
-              <a:t>： </a:t>
+              <a:rPr lang="zh-CN" altLang="en-US" sz="2400" b="1">
+                <a:sym typeface="+mn-ea"/>
+              </a:rPr>
+              <a:t>与</a:t>
             </a:r>
             <a:r>
               <a:rPr lang="en-US" altLang="zh-CN" sz="2400" b="1">
                 <a:sym typeface="+mn-ea"/>
               </a:rPr>
-              <a:t>“ I have a pen”</a:t>
-            </a:r>
-            <a:endParaRPr lang="en-US" altLang="zh-CN" sz="2400" b="1">
-              <a:sym typeface="+mn-ea"/>
-            </a:endParaRPr>
-          </a:p>
-          <a:p>
-            <a:r>
-              <a:rPr lang="zh-CN" altLang="zh-CN" sz="2400" b="1">
-                <a:sym typeface="+mn-ea"/>
-              </a:rPr>
-              <a:t>语音时间</a:t>
+              <a:t>Y</a:t>
             </a:r>
             <a:r>
               <a:rPr lang="zh-CN" altLang="en-US" sz="2400" b="1">
                 <a:sym typeface="+mn-ea"/>
               </a:rPr>
-              <a:t>序列</a:t>
+              <a:t>的</a:t>
             </a:r>
             <a:r>
               <a:rPr lang="en-US" altLang="zh-CN" sz="2400" b="1">
                 <a:sym typeface="+mn-ea"/>
               </a:rPr>
+              <a:t>ED</a:t>
+            </a:r>
+            <a:r>
+              <a:rPr lang="zh-CN" altLang="en-US" sz="2400" b="1">
+                <a:sym typeface="+mn-ea"/>
+              </a:rPr>
+              <a:t>距离和</a:t>
+            </a:r>
+            <a:r>
+              <a:rPr lang="en-US" altLang="zh-CN" sz="2400" b="1">
+                <a:sym typeface="+mn-ea"/>
+              </a:rPr>
+              <a:t>DTW</a:t>
+            </a:r>
+            <a:r>
+              <a:rPr lang="zh-CN" altLang="en-US" sz="2400" b="1">
+                <a:sym typeface="+mn-ea"/>
+              </a:rPr>
+              <a:t>距离肯定都很大（说明</a:t>
+            </a:r>
+            <a:r>
+              <a:rPr lang="en-US" altLang="zh-CN" sz="2400" b="1">
+                <a:sym typeface="+mn-ea"/>
+              </a:rPr>
+              <a:t>X</a:t>
+            </a:r>
+            <a:r>
+              <a:rPr lang="zh-CN" altLang="en-US" sz="2400" b="1">
+                <a:sym typeface="+mn-ea"/>
+              </a:rPr>
+              <a:t>和</a:t>
+            </a:r>
+            <a:r>
+              <a:rPr lang="en-US" altLang="zh-CN" sz="2400" b="1">
+                <a:sym typeface="+mn-ea"/>
+              </a:rPr>
               <a:t>Y</a:t>
             </a:r>
             <a:r>
               <a:rPr lang="zh-CN" altLang="en-US" sz="2400" b="1">
                 <a:sym typeface="+mn-ea"/>
               </a:rPr>
-              <a:t>： </a:t>
-            </a:r>
-            <a:r>
-              <a:rPr lang="en-US" altLang="zh-CN" sz="2400" b="1">
-                <a:sym typeface="+mn-ea"/>
-              </a:rPr>
-              <a:t>“ You have </a:t>
-            </a:r>
-            <a:r>
-              <a:rPr lang="en-US" altLang="zh-CN" sz="2400" b="1">
-                <a:sym typeface="+mn-ea"/>
-              </a:rPr>
-              <a:t> an apple</a:t>
-            </a:r>
-            <a:r>
-              <a:rPr lang="en-US" altLang="zh-CN" sz="2400" b="1">
-                <a:sym typeface="+mn-ea"/>
-              </a:rPr>
-              <a:t>”</a:t>
-            </a:r>
-            <a:endParaRPr lang="en-US" altLang="zh-CN" sz="2400" b="1">
-              <a:sym typeface="+mn-ea"/>
-            </a:endParaRPr>
-          </a:p>
-          <a:p>
-            <a:endParaRPr lang="en-US" altLang="zh-CN" sz="2400" b="1">
-              <a:sym typeface="+mn-ea"/>
-            </a:endParaRPr>
-          </a:p>
-          <a:p>
-            <a:r>
-              <a:rPr lang="zh-CN" altLang="zh-CN" sz="2400" b="1">
-                <a:sym typeface="+mn-ea"/>
-              </a:rPr>
-              <a:t>两个序列都含有 </a:t>
-            </a:r>
-            <a:r>
-              <a:rPr lang="en-US" altLang="zh-CN" sz="2400" b="1">
-                <a:sym typeface="+mn-ea"/>
-              </a:rPr>
-              <a:t>have </a:t>
-            </a:r>
-            <a:r>
-              <a:rPr lang="zh-CN" altLang="en-US" sz="2400" b="1">
-                <a:sym typeface="+mn-ea"/>
-              </a:rPr>
-              <a:t>这个发音，这两个小</a:t>
-            </a:r>
-            <a:r>
-              <a:rPr lang="zh-CN" altLang="en-US" sz="2400" b="1">
-                <a:sym typeface="+mn-ea"/>
-              </a:rPr>
-              <a:t>片段应该是相似的，如何发现这一现象？</a:t>
-            </a:r>
-            <a:endParaRPr lang="zh-CN" altLang="en-US" sz="2400" b="1">
-              <a:sym typeface="+mn-ea"/>
-            </a:endParaRPr>
-          </a:p>
-          <a:p>
-            <a:r>
-              <a:rPr lang="zh-CN" altLang="en-US" sz="2400" b="1">
-                <a:sym typeface="+mn-ea"/>
-              </a:rPr>
-              <a:t>毕竟，</a:t>
-            </a:r>
-            <a:r>
-              <a:rPr lang="en-US" altLang="zh-CN" sz="2400" b="1">
-                <a:sym typeface="+mn-ea"/>
-              </a:rPr>
-              <a:t>X</a:t>
-            </a:r>
-            <a:r>
-              <a:rPr lang="zh-CN" altLang="en-US" sz="2400" b="1">
-                <a:sym typeface="+mn-ea"/>
-              </a:rPr>
-              <a:t>与</a:t>
-            </a:r>
-            <a:r>
-              <a:rPr lang="en-US" altLang="zh-CN" sz="2400" b="1">
-                <a:sym typeface="+mn-ea"/>
-              </a:rPr>
-              <a:t>Y</a:t>
-            </a:r>
-            <a:r>
-              <a:rPr lang="zh-CN" altLang="en-US" sz="2400" b="1">
-                <a:sym typeface="+mn-ea"/>
-              </a:rPr>
-              <a:t>的</a:t>
-            </a:r>
-            <a:r>
-              <a:rPr lang="en-US" altLang="zh-CN" sz="2400" b="1">
-                <a:sym typeface="+mn-ea"/>
-              </a:rPr>
-              <a:t>ED</a:t>
-            </a:r>
-            <a:r>
-              <a:rPr lang="zh-CN" altLang="en-US" sz="2400" b="1">
-                <a:sym typeface="+mn-ea"/>
-              </a:rPr>
-              <a:t>距离和</a:t>
-            </a:r>
-            <a:r>
-              <a:rPr lang="en-US" altLang="zh-CN" sz="2400" b="1">
-                <a:sym typeface="+mn-ea"/>
-              </a:rPr>
-              <a:t>DTW</a:t>
-            </a:r>
-            <a:r>
-              <a:rPr lang="zh-CN" altLang="en-US" sz="2400" b="1">
-                <a:sym typeface="+mn-ea"/>
-              </a:rPr>
-              <a:t>距离肯定都很大（说明</a:t>
-            </a:r>
-            <a:r>
-              <a:rPr lang="en-US" altLang="zh-CN" sz="2400" b="1">
-                <a:sym typeface="+mn-ea"/>
-              </a:rPr>
-              <a:t>X</a:t>
-            </a:r>
-            <a:r>
-              <a:rPr lang="zh-CN" altLang="en-US" sz="2400" b="1">
-                <a:sym typeface="+mn-ea"/>
-              </a:rPr>
-              <a:t>和</a:t>
-            </a:r>
-            <a:r>
-              <a:rPr lang="en-US" altLang="zh-CN" sz="2400" b="1">
-                <a:sym typeface="+mn-ea"/>
-              </a:rPr>
-              <a:t>Y</a:t>
-            </a:r>
-            <a:r>
-              <a:rPr lang="zh-CN" altLang="en-US" sz="2400" b="1">
-                <a:sym typeface="+mn-ea"/>
-              </a:rPr>
-              <a:t>整体上不相似</a:t>
-            </a:r>
-            <a:r>
-              <a:rPr lang="zh-CN" altLang="en-US" sz="2400" b="1">
-                <a:sym typeface="+mn-ea"/>
-              </a:rPr>
-              <a:t>）</a:t>
+              <a:t>整体上不相似）</a:t>
             </a:r>
             <a:endParaRPr lang="zh-CN" altLang="en-US" sz="2400" b="1">
               <a:sym typeface="+mn-ea"/>
@@ -13250,13 +12670,7 @@
               <a:rPr lang="zh-CN" altLang="en-US" sz="2400" b="1">
                 <a:sym typeface="+mn-ea"/>
               </a:rPr>
-              <a:t>① 起点和终</a:t>
-            </a:r>
-            <a:r>
-              <a:rPr lang="zh-CN" altLang="en-US" sz="2400" b="1">
-                <a:sym typeface="+mn-ea"/>
-              </a:rPr>
-              <a:t>点不确定</a:t>
+              <a:t>① 起点和终点不确定</a:t>
             </a:r>
             <a:endParaRPr lang="zh-CN" altLang="en-US" sz="2400" b="1">
               <a:sym typeface="+mn-ea"/>
@@ -13421,13 +12835,7 @@
               <a:rPr lang="zh-CN" altLang="en-US" sz="2400" b="1">
                 <a:sym typeface="+mn-ea"/>
               </a:rPr>
-              <a:t>请说出各自</a:t>
-            </a:r>
-            <a:r>
-              <a:rPr lang="zh-CN" altLang="en-US" sz="2400" b="1">
-                <a:sym typeface="+mn-ea"/>
-              </a:rPr>
-              <a:t>的想法。</a:t>
+              <a:t>请说出各自的想法。</a:t>
             </a:r>
             <a:endParaRPr lang="zh-CN" altLang="en-US" sz="2400" b="1">
               <a:sym typeface="+mn-ea"/>
